--- a/최종PPT/(C언어)A11_4조_BCS 최종발표.pptx
+++ b/최종PPT/(C언어)A11_4조_BCS 최종발표.pptx
@@ -223,7 +223,7 @@
           <a:p>
             <a:fld id="{E23A8CBB-026B-477A-81FD-48685F0F60BE}" type="datetimeFigureOut">
               <a:rPr lang="ko-KR" altLang="en-US" smtClean="0"/>
-              <a:t>2024-02-23</a:t>
+              <a:t>2024-02-25</a:t>
             </a:fld>
             <a:endParaRPr lang="ko-KR" altLang="en-US"/>
           </a:p>
@@ -782,7 +782,7 @@
           <a:p>
             <a:fld id="{772F5193-41CD-4063-B0C7-05E32D5C3CCF}" type="datetimeFigureOut">
               <a:rPr lang="ko-KR" altLang="en-US" smtClean="0"/>
-              <a:t>2024-02-23</a:t>
+              <a:t>2024-02-25</a:t>
             </a:fld>
             <a:endParaRPr lang="ko-KR" altLang="en-US"/>
           </a:p>
@@ -895,7 +895,7 @@
           <a:p>
             <a:fld id="{772F5193-41CD-4063-B0C7-05E32D5C3CCF}" type="datetimeFigureOut">
               <a:rPr lang="ko-KR" altLang="en-US" smtClean="0"/>
-              <a:t>2024-02-23</a:t>
+              <a:t>2024-02-25</a:t>
             </a:fld>
             <a:endParaRPr lang="ko-KR" altLang="en-US"/>
           </a:p>
@@ -1136,7 +1136,7 @@
           <a:p>
             <a:fld id="{772F5193-41CD-4063-B0C7-05E32D5C3CCF}" type="datetimeFigureOut">
               <a:rPr lang="ko-KR" altLang="en-US" smtClean="0"/>
-              <a:t>2024-02-23</a:t>
+              <a:t>2024-02-25</a:t>
             </a:fld>
             <a:endParaRPr lang="ko-KR" altLang="en-US"/>
           </a:p>
@@ -1585,8 +1585,8 @@
                 <a:solidFill>
                   <a:schemeClr val="bg1"/>
                 </a:solidFill>
-                <a:latin typeface="SB 어그로 Bold" panose="02020603020101020101" pitchFamily="18" charset="-127"/>
-                <a:ea typeface="SB 어그로 Bold" panose="02020603020101020101" pitchFamily="18" charset="-127"/>
+                <a:latin typeface="더잠실 OTF 5 Bold" panose="00000800000000000000" pitchFamily="50" charset="-127"/>
+                <a:ea typeface="더잠실 OTF 5 Bold" panose="00000800000000000000" pitchFamily="50" charset="-127"/>
               </a:rPr>
               <a:t>주차요금 정산 시스템  </a:t>
             </a:r>
@@ -1594,8 +1594,8 @@
               <a:solidFill>
                 <a:schemeClr val="bg1"/>
               </a:solidFill>
-              <a:latin typeface="SB 어그로 Bold" panose="02020603020101020101" pitchFamily="18" charset="-127"/>
-              <a:ea typeface="SB 어그로 Bold" panose="02020603020101020101" pitchFamily="18" charset="-127"/>
+              <a:latin typeface="더잠실 OTF 5 Bold" panose="00000800000000000000" pitchFamily="50" charset="-127"/>
+              <a:ea typeface="더잠실 OTF 5 Bold" panose="00000800000000000000" pitchFamily="50" charset="-127"/>
             </a:endParaRPr>
           </a:p>
         </p:txBody>
@@ -1614,8 +1614,8 @@
         </p:nvSpPr>
         <p:spPr>
           <a:xfrm>
-            <a:off x="9899545" y="4223580"/>
-            <a:ext cx="2011941" cy="1815882"/>
+            <a:off x="9613009" y="5042118"/>
+            <a:ext cx="2600338" cy="1815882"/>
           </a:xfrm>
           <a:prstGeom prst="rect">
             <a:avLst/>
@@ -1633,8 +1633,8 @@
                 <a:solidFill>
                   <a:schemeClr val="bg1"/>
                 </a:solidFill>
-                <a:latin typeface="Pretendard SemiBold" panose="02000703000000020004" pitchFamily="50" charset="-127"/>
-                <a:ea typeface="Pretendard SemiBold" panose="02000703000000020004" pitchFamily="50" charset="-127"/>
+                <a:latin typeface="더잠실 OTF 3 Regular" panose="00000500000000000000" pitchFamily="50" charset="-127"/>
+                <a:ea typeface="더잠실 OTF 3 Regular" panose="00000500000000000000" pitchFamily="50" charset="-127"/>
                 <a:cs typeface="Pretendard SemiBold" panose="02000703000000020004" pitchFamily="50" charset="-127"/>
               </a:rPr>
               <a:t>팀장 </a:t>
@@ -1644,19 +1644,19 @@
                 <a:solidFill>
                   <a:schemeClr val="bg1"/>
                 </a:solidFill>
-                <a:latin typeface="Pretendard SemiBold" panose="02000703000000020004" pitchFamily="50" charset="-127"/>
-                <a:ea typeface="Pretendard SemiBold" panose="02000703000000020004" pitchFamily="50" charset="-127"/>
+                <a:latin typeface="더잠실 OTF 3 Regular" panose="00000500000000000000" pitchFamily="50" charset="-127"/>
+                <a:ea typeface="더잠실 OTF 3 Regular" panose="00000500000000000000" pitchFamily="50" charset="-127"/>
                 <a:cs typeface="Pretendard SemiBold" panose="02000703000000020004" pitchFamily="50" charset="-127"/>
               </a:rPr>
               <a:t>: </a:t>
             </a:r>
             <a:r>
-              <a:rPr lang="ko-KR" altLang="en-US" sz="2800" dirty="0">
+              <a:rPr lang="ko-KR" altLang="en-US" sz="2800" dirty="0" err="1">
                 <a:solidFill>
                   <a:schemeClr val="bg1"/>
                 </a:solidFill>
-                <a:latin typeface="Pretendard SemiBold" panose="02000703000000020004" pitchFamily="50" charset="-127"/>
-                <a:ea typeface="Pretendard SemiBold" panose="02000703000000020004" pitchFamily="50" charset="-127"/>
+                <a:latin typeface="더잠실 OTF 3 Regular" panose="00000500000000000000" pitchFamily="50" charset="-127"/>
+                <a:ea typeface="더잠실 OTF 3 Regular" panose="00000500000000000000" pitchFamily="50" charset="-127"/>
                 <a:cs typeface="Pretendard SemiBold" panose="02000703000000020004" pitchFamily="50" charset="-127"/>
               </a:rPr>
               <a:t>백정윤</a:t>
@@ -1665,8 +1665,8 @@
               <a:solidFill>
                 <a:schemeClr val="bg1"/>
               </a:solidFill>
-              <a:latin typeface="Pretendard SemiBold" panose="02000703000000020004" pitchFamily="50" charset="-127"/>
-              <a:ea typeface="Pretendard SemiBold" panose="02000703000000020004" pitchFamily="50" charset="-127"/>
+              <a:latin typeface="더잠실 OTF 3 Regular" panose="00000500000000000000" pitchFamily="50" charset="-127"/>
+              <a:ea typeface="더잠실 OTF 3 Regular" panose="00000500000000000000" pitchFamily="50" charset="-127"/>
               <a:cs typeface="Pretendard SemiBold" panose="02000703000000020004" pitchFamily="50" charset="-127"/>
             </a:endParaRPr>
           </a:p>
@@ -1676,8 +1676,8 @@
                 <a:solidFill>
                   <a:schemeClr val="bg1"/>
                 </a:solidFill>
-                <a:latin typeface="Pretendard SemiBold" panose="02000703000000020004" pitchFamily="50" charset="-127"/>
-                <a:ea typeface="Pretendard SemiBold" panose="02000703000000020004" pitchFamily="50" charset="-127"/>
+                <a:latin typeface="더잠실 OTF 3 Regular" panose="00000500000000000000" pitchFamily="50" charset="-127"/>
+                <a:ea typeface="더잠실 OTF 3 Regular" panose="00000500000000000000" pitchFamily="50" charset="-127"/>
                 <a:cs typeface="Pretendard SemiBold" panose="02000703000000020004" pitchFamily="50" charset="-127"/>
               </a:rPr>
               <a:t>팀원</a:t>
@@ -1687,8 +1687,8 @@
                 <a:solidFill>
                   <a:schemeClr val="bg1"/>
                 </a:solidFill>
-                <a:latin typeface="Pretendard SemiBold" panose="02000703000000020004" pitchFamily="50" charset="-127"/>
-                <a:ea typeface="Pretendard SemiBold" panose="02000703000000020004" pitchFamily="50" charset="-127"/>
+                <a:latin typeface="더잠실 OTF 3 Regular" panose="00000500000000000000" pitchFamily="50" charset="-127"/>
+                <a:ea typeface="더잠실 OTF 3 Regular" panose="00000500000000000000" pitchFamily="50" charset="-127"/>
                 <a:cs typeface="Pretendard SemiBold" panose="02000703000000020004" pitchFamily="50" charset="-127"/>
               </a:rPr>
               <a:t> : </a:t>
@@ -1698,8 +1698,8 @@
                 <a:solidFill>
                   <a:schemeClr val="bg1"/>
                 </a:solidFill>
-                <a:latin typeface="Pretendard SemiBold" panose="02000703000000020004" pitchFamily="50" charset="-127"/>
-                <a:ea typeface="Pretendard SemiBold" panose="02000703000000020004" pitchFamily="50" charset="-127"/>
+                <a:latin typeface="더잠실 OTF 3 Regular" panose="00000500000000000000" pitchFamily="50" charset="-127"/>
+                <a:ea typeface="더잠실 OTF 3 Regular" panose="00000500000000000000" pitchFamily="50" charset="-127"/>
                 <a:cs typeface="Pretendard SemiBold" panose="02000703000000020004" pitchFamily="50" charset="-127"/>
               </a:rPr>
               <a:t>최효정</a:t>
@@ -1708,8 +1708,8 @@
               <a:solidFill>
                 <a:schemeClr val="bg1"/>
               </a:solidFill>
-              <a:latin typeface="Pretendard SemiBold" panose="02000703000000020004" pitchFamily="50" charset="-127"/>
-              <a:ea typeface="Pretendard SemiBold" panose="02000703000000020004" pitchFamily="50" charset="-127"/>
+              <a:latin typeface="더잠실 OTF 3 Regular" panose="00000500000000000000" pitchFamily="50" charset="-127"/>
+              <a:ea typeface="더잠실 OTF 3 Regular" panose="00000500000000000000" pitchFamily="50" charset="-127"/>
               <a:cs typeface="Pretendard SemiBold" panose="02000703000000020004" pitchFamily="50" charset="-127"/>
             </a:endParaRPr>
           </a:p>
@@ -1719,8 +1719,8 @@
                 <a:solidFill>
                   <a:schemeClr val="bg1"/>
                 </a:solidFill>
-                <a:latin typeface="Pretendard SemiBold" panose="02000703000000020004" pitchFamily="50" charset="-127"/>
-                <a:ea typeface="Pretendard SemiBold" panose="02000703000000020004" pitchFamily="50" charset="-127"/>
+                <a:latin typeface="더잠실 OTF 3 Regular" panose="00000500000000000000" pitchFamily="50" charset="-127"/>
+                <a:ea typeface="더잠실 OTF 3 Regular" panose="00000500000000000000" pitchFamily="50" charset="-127"/>
                 <a:cs typeface="Pretendard SemiBold" panose="02000703000000020004" pitchFamily="50" charset="-127"/>
               </a:rPr>
               <a:t>팀원 </a:t>
@@ -1730,29 +1730,40 @@
                 <a:solidFill>
                   <a:schemeClr val="bg1"/>
                 </a:solidFill>
-                <a:latin typeface="Pretendard SemiBold" panose="02000703000000020004" pitchFamily="50" charset="-127"/>
-                <a:ea typeface="Pretendard SemiBold" panose="02000703000000020004" pitchFamily="50" charset="-127"/>
+                <a:latin typeface="더잠실 OTF 3 Regular" panose="00000500000000000000" pitchFamily="50" charset="-127"/>
+                <a:ea typeface="더잠실 OTF 3 Regular" panose="00000500000000000000" pitchFamily="50" charset="-127"/>
                 <a:cs typeface="Pretendard SemiBold" panose="02000703000000020004" pitchFamily="50" charset="-127"/>
               </a:rPr>
               <a:t>: </a:t>
             </a:r>
             <a:r>
+              <a:rPr lang="ko-KR" altLang="en-US" sz="2800" dirty="0" err="1">
+                <a:solidFill>
+                  <a:schemeClr val="bg1"/>
+                </a:solidFill>
+                <a:latin typeface="더잠실 OTF 3 Regular" panose="00000500000000000000" pitchFamily="50" charset="-127"/>
+                <a:ea typeface="더잠실 OTF 3 Regular" panose="00000500000000000000" pitchFamily="50" charset="-127"/>
+                <a:cs typeface="Pretendard SemiBold" panose="02000703000000020004" pitchFamily="50" charset="-127"/>
+              </a:rPr>
+              <a:t>신예원</a:t>
+            </a:r>
+            <a:r>
               <a:rPr lang="ko-KR" altLang="en-US" sz="2800" dirty="0">
                 <a:solidFill>
                   <a:schemeClr val="bg1"/>
                 </a:solidFill>
-                <a:latin typeface="Pretendard SemiBold" panose="02000703000000020004" pitchFamily="50" charset="-127"/>
-                <a:ea typeface="Pretendard SemiBold" panose="02000703000000020004" pitchFamily="50" charset="-127"/>
+                <a:latin typeface="더잠실 OTF 3 Regular" panose="00000500000000000000" pitchFamily="50" charset="-127"/>
+                <a:ea typeface="더잠실 OTF 3 Regular" panose="00000500000000000000" pitchFamily="50" charset="-127"/>
                 <a:cs typeface="Pretendard SemiBold" panose="02000703000000020004" pitchFamily="50" charset="-127"/>
               </a:rPr>
-              <a:t>신예원 </a:t>
+              <a:t> </a:t>
             </a:r>
             <a:endParaRPr lang="en-US" altLang="ko-KR" sz="2800" dirty="0">
               <a:solidFill>
                 <a:schemeClr val="bg1"/>
               </a:solidFill>
-              <a:latin typeface="Pretendard SemiBold" panose="02000703000000020004" pitchFamily="50" charset="-127"/>
-              <a:ea typeface="Pretendard SemiBold" panose="02000703000000020004" pitchFamily="50" charset="-127"/>
+              <a:latin typeface="더잠실 OTF 3 Regular" panose="00000500000000000000" pitchFamily="50" charset="-127"/>
+              <a:ea typeface="더잠실 OTF 3 Regular" panose="00000500000000000000" pitchFamily="50" charset="-127"/>
               <a:cs typeface="Pretendard SemiBold" panose="02000703000000020004" pitchFamily="50" charset="-127"/>
             </a:endParaRPr>
           </a:p>
@@ -1762,6 +1773,8 @@
                 <a:solidFill>
                   <a:schemeClr val="bg1"/>
                 </a:solidFill>
+                <a:latin typeface="더잠실 OTF 3 Regular" panose="00000500000000000000" pitchFamily="50" charset="-127"/>
+                <a:ea typeface="더잠실 OTF 3 Regular" panose="00000500000000000000" pitchFamily="50" charset="-127"/>
               </a:rPr>
               <a:t> </a:t>
             </a:r>
@@ -1769,6 +1782,8 @@
               <a:solidFill>
                 <a:schemeClr val="bg1"/>
               </a:solidFill>
+              <a:latin typeface="더잠실 OTF 3 Regular" panose="00000500000000000000" pitchFamily="50" charset="-127"/>
+              <a:ea typeface="더잠실 OTF 3 Regular" panose="00000500000000000000" pitchFamily="50" charset="-127"/>
             </a:endParaRPr>
           </a:p>
         </p:txBody>
@@ -1955,6 +1970,8 @@
               <a:solidFill>
                 <a:schemeClr val="accent1"/>
               </a:solidFill>
+              <a:latin typeface="더잠실 OTF 5 Bold" panose="00000800000000000000" pitchFamily="50" charset="-127"/>
+              <a:ea typeface="더잠실 OTF 5 Bold" panose="00000800000000000000" pitchFamily="50" charset="-127"/>
             </a:endParaRPr>
           </a:p>
         </p:txBody>
@@ -2014,8 +2031,8 @@
         </p:nvSpPr>
         <p:spPr>
           <a:xfrm>
-            <a:off x="2235909" y="3106123"/>
-            <a:ext cx="848310" cy="400110"/>
+            <a:off x="2216673" y="3106123"/>
+            <a:ext cx="886782" cy="400110"/>
           </a:xfrm>
           <a:prstGeom prst="rect">
             <a:avLst/>
@@ -2034,6 +2051,8 @@
                 <a:solidFill>
                   <a:schemeClr val="bg1"/>
                 </a:solidFill>
+                <a:latin typeface="더잠실 OTF 5 Bold" panose="00000800000000000000" pitchFamily="50" charset="-127"/>
+                <a:ea typeface="더잠실 OTF 5 Bold" panose="00000800000000000000" pitchFamily="50" charset="-127"/>
               </a:rPr>
               <a:t>이미지</a:t>
             </a:r>
@@ -2054,8 +2073,8 @@
         </p:nvSpPr>
         <p:spPr>
           <a:xfrm>
-            <a:off x="9657215" y="3106123"/>
-            <a:ext cx="848310" cy="400110"/>
+            <a:off x="9637979" y="3106123"/>
+            <a:ext cx="886782" cy="400110"/>
           </a:xfrm>
           <a:prstGeom prst="rect">
             <a:avLst/>
@@ -2074,6 +2093,8 @@
                 <a:solidFill>
                   <a:schemeClr val="bg1"/>
                 </a:solidFill>
+                <a:latin typeface="더잠실 OTF 5 Bold" panose="00000800000000000000" pitchFamily="50" charset="-127"/>
+                <a:ea typeface="더잠실 OTF 5 Bold" panose="00000800000000000000" pitchFamily="50" charset="-127"/>
               </a:rPr>
               <a:t>이미지</a:t>
             </a:r>
@@ -2146,7 +2167,10 @@
           <a:p>
             <a:pPr algn="ctr"/>
             <a:r>
-              <a:rPr lang="ko-KR" altLang="en-US" sz="2000" dirty="0"/>
+              <a:rPr lang="ko-KR" altLang="en-US" sz="2000" dirty="0">
+                <a:latin typeface="더잠실 OTF 5 Bold" panose="00000800000000000000" pitchFamily="50" charset="-127"/>
+                <a:ea typeface="더잠실 OTF 5 Bold" panose="00000800000000000000" pitchFamily="50" charset="-127"/>
+              </a:rPr>
               <a:t>     실행 화면</a:t>
             </a:r>
           </a:p>
@@ -2185,15 +2209,24 @@
               <a:buChar char="•"/>
             </a:pPr>
             <a:r>
-              <a:rPr lang="ko-KR" altLang="en-US" dirty="0"/>
+              <a:rPr lang="ko-KR" altLang="en-US" dirty="0">
+                <a:latin typeface="더잠실 OTF 5 Bold" panose="00000800000000000000" pitchFamily="50" charset="-127"/>
+                <a:ea typeface="더잠실 OTF 5 Bold" panose="00000800000000000000" pitchFamily="50" charset="-127"/>
+              </a:rPr>
               <a:t>하드 코딩을 방지하기 위해 </a:t>
             </a:r>
             <a:r>
-              <a:rPr lang="en-US" altLang="ko-KR" dirty="0"/>
+              <a:rPr lang="en-US" altLang="ko-KR" dirty="0">
+                <a:latin typeface="더잠실 OTF 5 Bold" panose="00000800000000000000" pitchFamily="50" charset="-127"/>
+                <a:ea typeface="더잠실 OTF 5 Bold" panose="00000800000000000000" pitchFamily="50" charset="-127"/>
+              </a:rPr>
               <a:t>enum</a:t>
             </a:r>
             <a:r>
-              <a:rPr lang="ko-KR" altLang="en-US" dirty="0"/>
+              <a:rPr lang="ko-KR" altLang="en-US" dirty="0">
+                <a:latin typeface="더잠실 OTF 5 Bold" panose="00000800000000000000" pitchFamily="50" charset="-127"/>
+                <a:ea typeface="더잠실 OTF 5 Bold" panose="00000800000000000000" pitchFamily="50" charset="-127"/>
+              </a:rPr>
               <a:t>을 선언함</a:t>
             </a:r>
           </a:p>
@@ -2232,7 +2265,10 @@
               <a:buChar char="•"/>
             </a:pPr>
             <a:r>
-              <a:rPr lang="ko-KR" altLang="en-US" dirty="0"/>
+              <a:rPr lang="ko-KR" altLang="en-US" dirty="0">
+                <a:latin typeface="더잠실 OTF 5 Bold" panose="00000800000000000000" pitchFamily="50" charset="-127"/>
+                <a:ea typeface="더잠실 OTF 5 Bold" panose="00000800000000000000" pitchFamily="50" charset="-127"/>
+              </a:rPr>
               <a:t>하드 코딩을 방지하기 위해 상수를 선언함</a:t>
             </a:r>
           </a:p>
@@ -2273,8 +2309,8 @@
                     <a:lumMod val="50000"/>
                   </a:schemeClr>
                 </a:solidFill>
-                <a:latin typeface="+mj-ea"/>
-                <a:ea typeface="+mj-ea"/>
+                <a:latin typeface="더잠실 OTF 5 Bold" panose="00000800000000000000" pitchFamily="50" charset="-127"/>
+                <a:ea typeface="더잠실 OTF 5 Bold" panose="00000800000000000000" pitchFamily="50" charset="-127"/>
               </a:rPr>
               <a:t>3. </a:t>
             </a:r>
@@ -2285,8 +2321,8 @@
                     <a:lumMod val="50000"/>
                   </a:schemeClr>
                 </a:solidFill>
-                <a:latin typeface="+mj-ea"/>
-                <a:ea typeface="+mj-ea"/>
+                <a:latin typeface="더잠실 OTF 5 Bold" panose="00000800000000000000" pitchFamily="50" charset="-127"/>
+                <a:ea typeface="더잠실 OTF 5 Bold" panose="00000800000000000000" pitchFamily="50" charset="-127"/>
               </a:rPr>
               <a:t>프로젝트</a:t>
             </a:r>
@@ -2297,8 +2333,8 @@
                     <a:lumMod val="50000"/>
                   </a:schemeClr>
                 </a:solidFill>
-                <a:latin typeface="+mj-ea"/>
-                <a:ea typeface="+mj-ea"/>
+                <a:latin typeface="더잠실 OTF 5 Bold" panose="00000800000000000000" pitchFamily="50" charset="-127"/>
+                <a:ea typeface="더잠실 OTF 5 Bold" panose="00000800000000000000" pitchFamily="50" charset="-127"/>
               </a:rPr>
               <a:t> </a:t>
             </a:r>
@@ -2309,12 +2345,15 @@
                     <a:lumMod val="50000"/>
                   </a:schemeClr>
                 </a:solidFill>
-                <a:latin typeface="+mj-ea"/>
-                <a:ea typeface="+mj-ea"/>
+                <a:latin typeface="더잠실 OTF 5 Bold" panose="00000800000000000000" pitchFamily="50" charset="-127"/>
+                <a:ea typeface="더잠실 OTF 5 Bold" panose="00000800000000000000" pitchFamily="50" charset="-127"/>
               </a:rPr>
               <a:t>결과 </a:t>
             </a:r>
-            <a:endParaRPr lang="ko-KR" altLang="en-US" sz="4800" dirty="0"/>
+            <a:endParaRPr lang="ko-KR" altLang="en-US" sz="4800" dirty="0">
+              <a:latin typeface="더잠실 OTF 5 Bold" panose="00000800000000000000" pitchFamily="50" charset="-127"/>
+              <a:ea typeface="더잠실 OTF 5 Bold" panose="00000800000000000000" pitchFamily="50" charset="-127"/>
+            </a:endParaRPr>
           </a:p>
         </p:txBody>
       </p:sp>
@@ -2536,6 +2575,8 @@
               <a:solidFill>
                 <a:schemeClr val="accent1"/>
               </a:solidFill>
+              <a:latin typeface="더잠실 OTF 5 Bold" panose="00000800000000000000" pitchFamily="50" charset="-127"/>
+              <a:ea typeface="더잠실 OTF 5 Bold" panose="00000800000000000000" pitchFamily="50" charset="-127"/>
             </a:endParaRPr>
           </a:p>
         </p:txBody>
@@ -2595,8 +2636,8 @@
         </p:nvSpPr>
         <p:spPr>
           <a:xfrm>
-            <a:off x="2235909" y="3106123"/>
-            <a:ext cx="848310" cy="400110"/>
+            <a:off x="2216673" y="3106123"/>
+            <a:ext cx="886782" cy="400110"/>
           </a:xfrm>
           <a:prstGeom prst="rect">
             <a:avLst/>
@@ -2615,6 +2656,8 @@
                 <a:solidFill>
                   <a:schemeClr val="bg1"/>
                 </a:solidFill>
+                <a:latin typeface="더잠실 OTF 5 Bold" panose="00000800000000000000" pitchFamily="50" charset="-127"/>
+                <a:ea typeface="더잠실 OTF 5 Bold" panose="00000800000000000000" pitchFamily="50" charset="-127"/>
               </a:rPr>
               <a:t>이미지</a:t>
             </a:r>
@@ -2635,8 +2678,8 @@
         </p:nvSpPr>
         <p:spPr>
           <a:xfrm>
-            <a:off x="9657215" y="3106123"/>
-            <a:ext cx="848310" cy="400110"/>
+            <a:off x="9637979" y="3106123"/>
+            <a:ext cx="886782" cy="400110"/>
           </a:xfrm>
           <a:prstGeom prst="rect">
             <a:avLst/>
@@ -2655,6 +2698,8 @@
                 <a:solidFill>
                   <a:schemeClr val="bg1"/>
                 </a:solidFill>
+                <a:latin typeface="더잠실 OTF 5 Bold" panose="00000800000000000000" pitchFamily="50" charset="-127"/>
+                <a:ea typeface="더잠실 OTF 5 Bold" panose="00000800000000000000" pitchFamily="50" charset="-127"/>
               </a:rPr>
               <a:t>이미지</a:t>
             </a:r>
@@ -2727,7 +2772,10 @@
           <a:p>
             <a:pPr algn="ctr"/>
             <a:r>
-              <a:rPr lang="ko-KR" altLang="en-US" sz="2000" dirty="0"/>
+              <a:rPr lang="ko-KR" altLang="en-US" sz="2000" dirty="0">
+                <a:latin typeface="더잠실 OTF 5 Bold" panose="00000800000000000000" pitchFamily="50" charset="-127"/>
+                <a:ea typeface="더잠실 OTF 5 Bold" panose="00000800000000000000" pitchFamily="50" charset="-127"/>
+              </a:rPr>
               <a:t>     실행 화면</a:t>
             </a:r>
           </a:p>
@@ -2748,7 +2796,7 @@
         <p:spPr>
           <a:xfrm>
             <a:off x="441220" y="2643502"/>
-            <a:ext cx="6110526" cy="646331"/>
+            <a:ext cx="6110526" cy="743922"/>
           </a:xfrm>
           <a:prstGeom prst="rect">
             <a:avLst/>
@@ -2766,42 +2814,91 @@
               <a:buChar char="•"/>
             </a:pPr>
             <a:r>
-              <a:rPr lang="ko-KR" altLang="en-US" dirty="0"/>
+              <a:rPr lang="ko-KR" altLang="en-US" dirty="0">
+                <a:latin typeface="더잠실 OTF 5 Bold" panose="00000800000000000000" pitchFamily="50" charset="-127"/>
+                <a:ea typeface="더잠실 OTF 5 Bold" panose="00000800000000000000" pitchFamily="50" charset="-127"/>
+              </a:rPr>
               <a:t>입차 시간은 주차장 운영시간 </a:t>
             </a:r>
             <a:r>
-              <a:rPr lang="en-US" altLang="ko-KR" dirty="0"/>
+              <a:rPr lang="en-US" altLang="ko-KR" dirty="0">
+                <a:latin typeface="더잠실 OTF 5 Bold" panose="00000800000000000000" pitchFamily="50" charset="-127"/>
+                <a:ea typeface="더잠실 OTF 5 Bold" panose="00000800000000000000" pitchFamily="50" charset="-127"/>
+              </a:rPr>
               <a:t>(06</a:t>
             </a:r>
             <a:r>
-              <a:rPr lang="ko-KR" altLang="en-US" dirty="0"/>
+              <a:rPr lang="ko-KR" altLang="en-US" dirty="0">
+                <a:latin typeface="더잠실 OTF 5 Bold" panose="00000800000000000000" pitchFamily="50" charset="-127"/>
+                <a:ea typeface="더잠실 OTF 5 Bold" panose="00000800000000000000" pitchFamily="50" charset="-127"/>
+              </a:rPr>
               <a:t>시</a:t>
             </a:r>
             <a:r>
-              <a:rPr lang="en-US" altLang="ko-KR" dirty="0"/>
+              <a:rPr lang="en-US" altLang="ko-KR" dirty="0">
+                <a:latin typeface="더잠실 OTF 5 Bold" panose="00000800000000000000" pitchFamily="50" charset="-127"/>
+                <a:ea typeface="더잠실 OTF 5 Bold" panose="00000800000000000000" pitchFamily="50" charset="-127"/>
+              </a:rPr>
               <a:t>~ 22</a:t>
             </a:r>
             <a:r>
-              <a:rPr lang="ko-KR" altLang="en-US" dirty="0"/>
+              <a:rPr lang="ko-KR" altLang="en-US" dirty="0">
+                <a:latin typeface="더잠실 OTF 5 Bold" panose="00000800000000000000" pitchFamily="50" charset="-127"/>
+                <a:ea typeface="더잠실 OTF 5 Bold" panose="00000800000000000000" pitchFamily="50" charset="-127"/>
+              </a:rPr>
               <a:t>시</a:t>
             </a:r>
             <a:r>
-              <a:rPr lang="en-US" altLang="ko-KR" dirty="0"/>
+              <a:rPr lang="en-US" altLang="ko-KR" dirty="0">
+                <a:latin typeface="더잠실 OTF 5 Bold" panose="00000800000000000000" pitchFamily="50" charset="-127"/>
+                <a:ea typeface="더잠실 OTF 5 Bold" panose="00000800000000000000" pitchFamily="50" charset="-127"/>
+              </a:rPr>
               <a:t>)</a:t>
             </a:r>
             <a:r>
-              <a:rPr lang="ko-KR" altLang="en-US" dirty="0"/>
-              <a:t> 에 맞게 시간 범위</a:t>
-            </a:r>
-            <a:endParaRPr lang="en-US" altLang="ko-KR" dirty="0"/>
-          </a:p>
-          <a:p>
-            <a:r>
-              <a:rPr lang="en-US" altLang="ko-KR" dirty="0"/>
+              <a:rPr lang="ko-KR" altLang="en-US" dirty="0">
+                <a:latin typeface="더잠실 OTF 5 Bold" panose="00000800000000000000" pitchFamily="50" charset="-127"/>
+                <a:ea typeface="더잠실 OTF 5 Bold" panose="00000800000000000000" pitchFamily="50" charset="-127"/>
+              </a:rPr>
+              <a:t> 에 맞게</a:t>
+            </a:r>
+            <a:endParaRPr lang="en-US" altLang="ko-KR" dirty="0">
+              <a:latin typeface="더잠실 OTF 5 Bold" panose="00000800000000000000" pitchFamily="50" charset="-127"/>
+              <a:ea typeface="더잠실 OTF 5 Bold" panose="00000800000000000000" pitchFamily="50" charset="-127"/>
+            </a:endParaRPr>
+          </a:p>
+          <a:p>
+            <a:pPr>
+              <a:lnSpc>
+                <a:spcPct val="150000"/>
+              </a:lnSpc>
+            </a:pPr>
+            <a:r>
+              <a:rPr lang="en-US" altLang="ko-KR" dirty="0">
+                <a:latin typeface="더잠실 OTF 5 Bold" panose="00000800000000000000" pitchFamily="50" charset="-127"/>
+                <a:ea typeface="더잠실 OTF 5 Bold" panose="00000800000000000000" pitchFamily="50" charset="-127"/>
+              </a:rPr>
               <a:t>     </a:t>
             </a:r>
             <a:r>
-              <a:rPr lang="ko-KR" altLang="en-US" dirty="0"/>
+              <a:rPr lang="ko-KR" altLang="en-US" dirty="0">
+                <a:latin typeface="더잠실 OTF 5 Bold" panose="00000800000000000000" pitchFamily="50" charset="-127"/>
+                <a:ea typeface="더잠실 OTF 5 Bold" panose="00000800000000000000" pitchFamily="50" charset="-127"/>
+              </a:rPr>
+              <a:t> 시간 범위</a:t>
+            </a:r>
+            <a:r>
+              <a:rPr lang="en-US" altLang="ko-KR" dirty="0">
+                <a:latin typeface="더잠실 OTF 5 Bold" panose="00000800000000000000" pitchFamily="50" charset="-127"/>
+                <a:ea typeface="더잠실 OTF 5 Bold" panose="00000800000000000000" pitchFamily="50" charset="-127"/>
+              </a:rPr>
+              <a:t>  </a:t>
+            </a:r>
+            <a:r>
+              <a:rPr lang="ko-KR" altLang="en-US" dirty="0">
+                <a:latin typeface="더잠실 OTF 5 Bold" panose="00000800000000000000" pitchFamily="50" charset="-127"/>
+                <a:ea typeface="더잠실 OTF 5 Bold" panose="00000800000000000000" pitchFamily="50" charset="-127"/>
+              </a:rPr>
               <a:t>설정 후 출력함</a:t>
             </a:r>
           </a:p>
@@ -2840,7 +2937,10 @@
               <a:buChar char="•"/>
             </a:pPr>
             <a:r>
-              <a:rPr lang="ko-KR" altLang="en-US" dirty="0"/>
+              <a:rPr lang="ko-KR" altLang="en-US" dirty="0">
+                <a:latin typeface="더잠실 OTF 5 Bold" panose="00000800000000000000" pitchFamily="50" charset="-127"/>
+                <a:ea typeface="더잠실 OTF 5 Bold" panose="00000800000000000000" pitchFamily="50" charset="-127"/>
+              </a:rPr>
               <a:t>출차 시간을 입차 시간보다 늦게  입력 받기 위한 알고리즘</a:t>
             </a:r>
           </a:p>
@@ -2927,8 +3027,8 @@
                     <a:lumMod val="50000"/>
                   </a:schemeClr>
                 </a:solidFill>
-                <a:latin typeface="+mj-ea"/>
-                <a:ea typeface="+mj-ea"/>
+                <a:latin typeface="더잠실 OTF 5 Bold" panose="00000800000000000000" pitchFamily="50" charset="-127"/>
+                <a:ea typeface="더잠실 OTF 5 Bold" panose="00000800000000000000" pitchFamily="50" charset="-127"/>
               </a:rPr>
               <a:t>3. </a:t>
             </a:r>
@@ -2939,8 +3039,8 @@
                     <a:lumMod val="50000"/>
                   </a:schemeClr>
                 </a:solidFill>
-                <a:latin typeface="+mj-ea"/>
-                <a:ea typeface="+mj-ea"/>
+                <a:latin typeface="더잠실 OTF 5 Bold" panose="00000800000000000000" pitchFamily="50" charset="-127"/>
+                <a:ea typeface="더잠실 OTF 5 Bold" panose="00000800000000000000" pitchFamily="50" charset="-127"/>
               </a:rPr>
               <a:t>프로젝트</a:t>
             </a:r>
@@ -2951,8 +3051,8 @@
                     <a:lumMod val="50000"/>
                   </a:schemeClr>
                 </a:solidFill>
-                <a:latin typeface="+mj-ea"/>
-                <a:ea typeface="+mj-ea"/>
+                <a:latin typeface="더잠실 OTF 5 Bold" panose="00000800000000000000" pitchFamily="50" charset="-127"/>
+                <a:ea typeface="더잠실 OTF 5 Bold" panose="00000800000000000000" pitchFamily="50" charset="-127"/>
               </a:rPr>
               <a:t> </a:t>
             </a:r>
@@ -2963,12 +3063,15 @@
                     <a:lumMod val="50000"/>
                   </a:schemeClr>
                 </a:solidFill>
-                <a:latin typeface="+mj-ea"/>
-                <a:ea typeface="+mj-ea"/>
+                <a:latin typeface="더잠실 OTF 5 Bold" panose="00000800000000000000" pitchFamily="50" charset="-127"/>
+                <a:ea typeface="더잠실 OTF 5 Bold" panose="00000800000000000000" pitchFamily="50" charset="-127"/>
               </a:rPr>
               <a:t>결과</a:t>
             </a:r>
-            <a:endParaRPr lang="ko-KR" altLang="en-US" sz="4800" dirty="0"/>
+            <a:endParaRPr lang="ko-KR" altLang="en-US" sz="4800" dirty="0">
+              <a:latin typeface="더잠실 OTF 5 Bold" panose="00000800000000000000" pitchFamily="50" charset="-127"/>
+              <a:ea typeface="더잠실 OTF 5 Bold" panose="00000800000000000000" pitchFamily="50" charset="-127"/>
+            </a:endParaRPr>
           </a:p>
         </p:txBody>
       </p:sp>
@@ -3213,8 +3316,8 @@
         </p:nvSpPr>
         <p:spPr>
           <a:xfrm>
-            <a:off x="2235909" y="3106123"/>
-            <a:ext cx="848310" cy="400110"/>
+            <a:off x="2216673" y="3106123"/>
+            <a:ext cx="886782" cy="400110"/>
           </a:xfrm>
           <a:prstGeom prst="rect">
             <a:avLst/>
@@ -3233,6 +3336,8 @@
                 <a:solidFill>
                   <a:schemeClr val="bg1"/>
                 </a:solidFill>
+                <a:latin typeface="더잠실 OTF 5 Bold" panose="00000800000000000000" pitchFamily="50" charset="-127"/>
+                <a:ea typeface="더잠실 OTF 5 Bold" panose="00000800000000000000" pitchFamily="50" charset="-127"/>
               </a:rPr>
               <a:t>이미지</a:t>
             </a:r>
@@ -3253,8 +3358,8 @@
         </p:nvSpPr>
         <p:spPr>
           <a:xfrm>
-            <a:off x="9657215" y="3106123"/>
-            <a:ext cx="848310" cy="400110"/>
+            <a:off x="9637979" y="3106123"/>
+            <a:ext cx="886782" cy="400110"/>
           </a:xfrm>
           <a:prstGeom prst="rect">
             <a:avLst/>
@@ -3273,6 +3378,8 @@
                 <a:solidFill>
                   <a:schemeClr val="bg1"/>
                 </a:solidFill>
+                <a:latin typeface="더잠실 OTF 5 Bold" panose="00000800000000000000" pitchFamily="50" charset="-127"/>
+                <a:ea typeface="더잠실 OTF 5 Bold" panose="00000800000000000000" pitchFamily="50" charset="-127"/>
               </a:rPr>
               <a:t>이미지</a:t>
             </a:r>
@@ -3293,8 +3400,8 @@
         </p:nvSpPr>
         <p:spPr>
           <a:xfrm>
-            <a:off x="3032343" y="6160433"/>
-            <a:ext cx="248786" cy="400110"/>
+            <a:off x="3037152" y="6160433"/>
+            <a:ext cx="239168" cy="400110"/>
           </a:xfrm>
           <a:prstGeom prst="rect">
             <a:avLst/>
@@ -3309,7 +3416,10 @@
           <a:p>
             <a:pPr algn="ctr"/>
             <a:r>
-              <a:rPr lang="ko-KR" altLang="en-US" sz="2000" dirty="0"/>
+              <a:rPr lang="ko-KR" altLang="en-US" sz="2000" dirty="0">
+                <a:latin typeface="더잠실 OTF 5 Bold" panose="00000800000000000000" pitchFamily="50" charset="-127"/>
+                <a:ea typeface="더잠실 OTF 5 Bold" panose="00000800000000000000" pitchFamily="50" charset="-127"/>
+              </a:rPr>
               <a:t> </a:t>
             </a:r>
           </a:p>
@@ -3345,7 +3455,10 @@
           <a:p>
             <a:pPr algn="ctr"/>
             <a:r>
-              <a:rPr lang="ko-KR" altLang="en-US" sz="2000" dirty="0"/>
+              <a:rPr lang="ko-KR" altLang="en-US" sz="2000" dirty="0">
+                <a:latin typeface="더잠실 OTF 5 Bold" panose="00000800000000000000" pitchFamily="50" charset="-127"/>
+                <a:ea typeface="더잠실 OTF 5 Bold" panose="00000800000000000000" pitchFamily="50" charset="-127"/>
+              </a:rPr>
               <a:t>     실행 화면</a:t>
             </a:r>
           </a:p>
@@ -3366,7 +3479,7 @@
         <p:spPr>
           <a:xfrm>
             <a:off x="329109" y="5806371"/>
-            <a:ext cx="7019820" cy="646331"/>
+            <a:ext cx="7019820" cy="743922"/>
           </a:xfrm>
           <a:prstGeom prst="rect">
             <a:avLst/>
@@ -3384,18 +3497,35 @@
               <a:buChar char="•"/>
             </a:pPr>
             <a:r>
-              <a:rPr lang="ko-KR" altLang="en-US" dirty="0"/>
+              <a:rPr lang="ko-KR" altLang="en-US" dirty="0">
+                <a:latin typeface="더잠실 OTF 5 Bold" panose="00000800000000000000" pitchFamily="50" charset="-127"/>
+                <a:ea typeface="더잠실 OTF 5 Bold" panose="00000800000000000000" pitchFamily="50" charset="-127"/>
+              </a:rPr>
               <a:t>결제 금액이 부족 할 경우 이용금액과 투입 금액이 같아질 때 까지 </a:t>
             </a:r>
-            <a:endParaRPr lang="en-US" altLang="ko-KR" dirty="0"/>
-          </a:p>
-          <a:p>
-            <a:r>
-              <a:rPr lang="en-US" altLang="ko-KR" dirty="0"/>
+            <a:endParaRPr lang="en-US" altLang="ko-KR" dirty="0">
+              <a:latin typeface="더잠실 OTF 5 Bold" panose="00000800000000000000" pitchFamily="50" charset="-127"/>
+              <a:ea typeface="더잠실 OTF 5 Bold" panose="00000800000000000000" pitchFamily="50" charset="-127"/>
+            </a:endParaRPr>
+          </a:p>
+          <a:p>
+            <a:pPr>
+              <a:lnSpc>
+                <a:spcPct val="150000"/>
+              </a:lnSpc>
+            </a:pPr>
+            <a:r>
+              <a:rPr lang="en-US" altLang="ko-KR" dirty="0">
+                <a:latin typeface="더잠실 OTF 5 Bold" panose="00000800000000000000" pitchFamily="50" charset="-127"/>
+                <a:ea typeface="더잠실 OTF 5 Bold" panose="00000800000000000000" pitchFamily="50" charset="-127"/>
+              </a:rPr>
               <a:t>     total </a:t>
             </a:r>
             <a:r>
-              <a:rPr lang="ko-KR" altLang="en-US" dirty="0"/>
+              <a:rPr lang="ko-KR" altLang="en-US" dirty="0">
+                <a:latin typeface="더잠실 OTF 5 Bold" panose="00000800000000000000" pitchFamily="50" charset="-127"/>
+                <a:ea typeface="더잠실 OTF 5 Bold" panose="00000800000000000000" pitchFamily="50" charset="-127"/>
+              </a:rPr>
               <a:t>변수에 금액을 누적 시킴     </a:t>
             </a:r>
           </a:p>
@@ -3482,8 +3612,8 @@
                     <a:lumMod val="50000"/>
                   </a:schemeClr>
                 </a:solidFill>
-                <a:latin typeface="+mj-ea"/>
-                <a:ea typeface="+mj-ea"/>
+                <a:latin typeface="더잠실 OTF 5 Bold" panose="00000800000000000000" pitchFamily="50" charset="-127"/>
+                <a:ea typeface="더잠실 OTF 5 Bold" panose="00000800000000000000" pitchFamily="50" charset="-127"/>
               </a:rPr>
               <a:t>3. </a:t>
             </a:r>
@@ -3494,8 +3624,8 @@
                     <a:lumMod val="50000"/>
                   </a:schemeClr>
                 </a:solidFill>
-                <a:latin typeface="+mj-ea"/>
-                <a:ea typeface="+mj-ea"/>
+                <a:latin typeface="더잠실 OTF 5 Bold" panose="00000800000000000000" pitchFamily="50" charset="-127"/>
+                <a:ea typeface="더잠실 OTF 5 Bold" panose="00000800000000000000" pitchFamily="50" charset="-127"/>
               </a:rPr>
               <a:t>프로젝트</a:t>
             </a:r>
@@ -3506,8 +3636,8 @@
                     <a:lumMod val="50000"/>
                   </a:schemeClr>
                 </a:solidFill>
-                <a:latin typeface="+mj-ea"/>
-                <a:ea typeface="+mj-ea"/>
+                <a:latin typeface="더잠실 OTF 5 Bold" panose="00000800000000000000" pitchFamily="50" charset="-127"/>
+                <a:ea typeface="더잠실 OTF 5 Bold" panose="00000800000000000000" pitchFamily="50" charset="-127"/>
               </a:rPr>
               <a:t> </a:t>
             </a:r>
@@ -3518,12 +3648,15 @@
                     <a:lumMod val="50000"/>
                   </a:schemeClr>
                 </a:solidFill>
-                <a:latin typeface="+mj-ea"/>
-                <a:ea typeface="+mj-ea"/>
+                <a:latin typeface="더잠실 OTF 5 Bold" panose="00000800000000000000" pitchFamily="50" charset="-127"/>
+                <a:ea typeface="더잠실 OTF 5 Bold" panose="00000800000000000000" pitchFamily="50" charset="-127"/>
               </a:rPr>
               <a:t>결과</a:t>
             </a:r>
-            <a:endParaRPr lang="ko-KR" altLang="en-US" sz="4800" dirty="0"/>
+            <a:endParaRPr lang="ko-KR" altLang="en-US" sz="4800" dirty="0">
+              <a:latin typeface="더잠실 OTF 5 Bold" panose="00000800000000000000" pitchFamily="50" charset="-127"/>
+              <a:ea typeface="더잠실 OTF 5 Bold" panose="00000800000000000000" pitchFamily="50" charset="-127"/>
+            </a:endParaRPr>
           </a:p>
         </p:txBody>
       </p:sp>
@@ -3806,8 +3939,8 @@
         </p:nvSpPr>
         <p:spPr>
           <a:xfrm>
-            <a:off x="4550007" y="6177099"/>
-            <a:ext cx="2432077" cy="400110"/>
+            <a:off x="4841488" y="6217218"/>
+            <a:ext cx="2509021" cy="400110"/>
           </a:xfrm>
           <a:prstGeom prst="rect">
             <a:avLst/>
@@ -3822,7 +3955,10 @@
           <a:p>
             <a:pPr algn="ctr"/>
             <a:r>
-              <a:rPr lang="ko-KR" altLang="en-US" sz="2000" dirty="0"/>
+              <a:rPr lang="ko-KR" altLang="en-US" sz="2000" dirty="0">
+                <a:latin typeface="더잠실 OTF 5 Bold" panose="00000800000000000000" pitchFamily="50" charset="-127"/>
+                <a:ea typeface="더잠실 OTF 5 Bold" panose="00000800000000000000" pitchFamily="50" charset="-127"/>
+              </a:rPr>
               <a:t>프로그램 실행 동영상  </a:t>
             </a:r>
           </a:p>
@@ -3901,8 +4037,8 @@
                     <a:lumMod val="50000"/>
                   </a:schemeClr>
                 </a:solidFill>
-                <a:latin typeface="+mj-ea"/>
-                <a:ea typeface="+mj-ea"/>
+                <a:latin typeface="더잠실 OTF 5 Bold" panose="00000800000000000000" pitchFamily="50" charset="-127"/>
+                <a:ea typeface="더잠실 OTF 5 Bold" panose="00000800000000000000" pitchFamily="50" charset="-127"/>
               </a:rPr>
               <a:t>3. </a:t>
             </a:r>
@@ -3913,8 +4049,8 @@
                     <a:lumMod val="50000"/>
                   </a:schemeClr>
                 </a:solidFill>
-                <a:latin typeface="+mj-ea"/>
-                <a:ea typeface="+mj-ea"/>
+                <a:latin typeface="더잠실 OTF 5 Bold" panose="00000800000000000000" pitchFamily="50" charset="-127"/>
+                <a:ea typeface="더잠실 OTF 5 Bold" panose="00000800000000000000" pitchFamily="50" charset="-127"/>
               </a:rPr>
               <a:t>프로젝트</a:t>
             </a:r>
@@ -3925,8 +4061,8 @@
                     <a:lumMod val="50000"/>
                   </a:schemeClr>
                 </a:solidFill>
-                <a:latin typeface="+mj-ea"/>
-                <a:ea typeface="+mj-ea"/>
+                <a:latin typeface="더잠실 OTF 5 Bold" panose="00000800000000000000" pitchFamily="50" charset="-127"/>
+                <a:ea typeface="더잠실 OTF 5 Bold" panose="00000800000000000000" pitchFamily="50" charset="-127"/>
               </a:rPr>
               <a:t> </a:t>
             </a:r>
@@ -3937,12 +4073,15 @@
                     <a:lumMod val="50000"/>
                   </a:schemeClr>
                 </a:solidFill>
-                <a:latin typeface="+mj-ea"/>
-                <a:ea typeface="+mj-ea"/>
+                <a:latin typeface="더잠실 OTF 5 Bold" panose="00000800000000000000" pitchFamily="50" charset="-127"/>
+                <a:ea typeface="더잠실 OTF 5 Bold" panose="00000800000000000000" pitchFamily="50" charset="-127"/>
               </a:rPr>
               <a:t>결과 </a:t>
             </a:r>
-            <a:endParaRPr lang="ko-KR" altLang="en-US" sz="4800" dirty="0"/>
+            <a:endParaRPr lang="ko-KR" altLang="en-US" sz="4800" dirty="0">
+              <a:latin typeface="더잠실 OTF 5 Bold" panose="00000800000000000000" pitchFamily="50" charset="-127"/>
+              <a:ea typeface="더잠실 OTF 5 Bold" panose="00000800000000000000" pitchFamily="50" charset="-127"/>
+            </a:endParaRPr>
           </a:p>
         </p:txBody>
       </p:sp>
@@ -4154,7 +4293,7 @@
           <p:spPr>
             <a:xfrm>
               <a:off x="6817895" y="310803"/>
-              <a:ext cx="1917513" cy="3154710"/>
+              <a:ext cx="1771639" cy="3154710"/>
             </a:xfrm>
             <a:prstGeom prst="rect">
               <a:avLst/>
@@ -4172,8 +4311,8 @@
                   <a:solidFill>
                     <a:schemeClr val="bg1"/>
                   </a:solidFill>
-                  <a:latin typeface="+mj-ea"/>
-                  <a:ea typeface="+mj-ea"/>
+                  <a:latin typeface="더잠실 OTF 5 Bold" panose="00000800000000000000" pitchFamily="50" charset="-127"/>
+                  <a:ea typeface="더잠실 OTF 5 Bold" panose="00000800000000000000" pitchFamily="50" charset="-127"/>
                 </a:rPr>
                 <a:t>4</a:t>
               </a:r>
@@ -4181,8 +4320,8 @@
                 <a:solidFill>
                   <a:schemeClr val="bg1"/>
                 </a:solidFill>
-                <a:latin typeface="+mj-ea"/>
-                <a:ea typeface="+mj-ea"/>
+                <a:latin typeface="더잠실 OTF 5 Bold" panose="00000800000000000000" pitchFamily="50" charset="-127"/>
+                <a:ea typeface="더잠실 OTF 5 Bold" panose="00000800000000000000" pitchFamily="50" charset="-127"/>
               </a:endParaRPr>
             </a:p>
           </p:txBody>
@@ -4202,7 +4341,7 @@
           <p:spPr>
             <a:xfrm>
               <a:off x="6817895" y="3350782"/>
-              <a:ext cx="4342856" cy="830997"/>
+              <a:ext cx="4560864" cy="830997"/>
             </a:xfrm>
             <a:prstGeom prst="rect">
               <a:avLst/>
@@ -4220,7 +4359,8 @@
                   <a:solidFill>
                     <a:schemeClr val="bg1"/>
                   </a:solidFill>
-                  <a:latin typeface="+mn-ea"/>
+                  <a:latin typeface="더잠실 OTF 5 Bold" panose="00000800000000000000" pitchFamily="50" charset="-127"/>
+                  <a:ea typeface="더잠실 OTF 5 Bold" panose="00000800000000000000" pitchFamily="50" charset="-127"/>
                 </a:rPr>
                 <a:t>프로젝트 자체평가 </a:t>
               </a:r>
@@ -4651,6 +4791,8 @@
                     <a:lumOff val="25000"/>
                   </a:schemeClr>
                 </a:solidFill>
+                <a:latin typeface="더잠실 OTF 5 Bold" panose="00000800000000000000" pitchFamily="50" charset="-127"/>
+                <a:ea typeface="더잠실 OTF 5 Bold" panose="00000800000000000000" pitchFamily="50" charset="-127"/>
               </a:rPr>
               <a:t>백정윤</a:t>
             </a:r>
@@ -4672,7 +4814,7 @@
         <p:spPr>
           <a:xfrm>
             <a:off x="8468449" y="3091368"/>
-            <a:ext cx="3089470" cy="2121928"/>
+            <a:ext cx="3089470" cy="2959913"/>
           </a:xfrm>
           <a:prstGeom prst="rect">
             <a:avLst/>
@@ -4695,7 +4837,8 @@
                 <a:solidFill>
                   <a:schemeClr val="bg1"/>
                 </a:solidFill>
-                <a:latin typeface="+mn-ea"/>
+                <a:latin typeface="더잠실 OTF 5 Bold" panose="00000800000000000000" pitchFamily="50" charset="-127"/>
+                <a:ea typeface="더잠실 OTF 5 Bold" panose="00000800000000000000" pitchFamily="50" charset="-127"/>
               </a:rPr>
               <a:t>간단한 프로그램이라 쉽게 구현할 줄 알았는데 막상 코드를 쳐보니 따져야할 조건이 한두가지가 아니라 힘들었다</a:t>
             </a:r>
@@ -4704,7 +4847,28 @@
                 <a:solidFill>
                   <a:schemeClr val="bg1"/>
                 </a:solidFill>
-                <a:latin typeface="+mn-ea"/>
+                <a:latin typeface="더잠실 OTF 5 Bold" panose="00000800000000000000" pitchFamily="50" charset="-127"/>
+                <a:ea typeface="더잠실 OTF 5 Bold" panose="00000800000000000000" pitchFamily="50" charset="-127"/>
+              </a:rPr>
+              <a:t>. </a:t>
+            </a:r>
+            <a:r>
+              <a:rPr lang="ko-KR" altLang="en-US" spc="-150" dirty="0">
+                <a:solidFill>
+                  <a:schemeClr val="bg1"/>
+                </a:solidFill>
+                <a:latin typeface="더잠실 OTF 5 Bold" panose="00000800000000000000" pitchFamily="50" charset="-127"/>
+                <a:ea typeface="더잠실 OTF 5 Bold" panose="00000800000000000000" pitchFamily="50" charset="-127"/>
+              </a:rPr>
+              <a:t>하지만  구현하면서 배열과 구조체 문법에 대해 다시 한번 복습할 수 있어서 유익했다</a:t>
+            </a:r>
+            <a:r>
+              <a:rPr lang="en-US" altLang="ko-KR" spc="-150" dirty="0">
+                <a:solidFill>
+                  <a:schemeClr val="bg1"/>
+                </a:solidFill>
+                <a:latin typeface="더잠실 OTF 5 Bold" panose="00000800000000000000" pitchFamily="50" charset="-127"/>
+                <a:ea typeface="더잠실 OTF 5 Bold" panose="00000800000000000000" pitchFamily="50" charset="-127"/>
               </a:rPr>
               <a:t>.</a:t>
             </a:r>
@@ -4719,7 +4883,8 @@
               <a:solidFill>
                 <a:schemeClr val="bg1"/>
               </a:solidFill>
-              <a:latin typeface="+mn-ea"/>
+              <a:latin typeface="더잠실 OTF 5 Bold" panose="00000800000000000000" pitchFamily="50" charset="-127"/>
+              <a:ea typeface="더잠실 OTF 5 Bold" panose="00000800000000000000" pitchFamily="50" charset="-127"/>
             </a:endParaRPr>
           </a:p>
         </p:txBody>
@@ -4738,8 +4903,8 @@
         </p:nvSpPr>
         <p:spPr>
           <a:xfrm>
-            <a:off x="183219" y="-14946"/>
-            <a:ext cx="5892266" cy="1015663"/>
+            <a:off x="183218" y="-14946"/>
+            <a:ext cx="5391671" cy="1015663"/>
           </a:xfrm>
           <a:prstGeom prst="rect">
             <a:avLst/>
@@ -4759,8 +4924,8 @@
                     <a:lumMod val="50000"/>
                   </a:schemeClr>
                 </a:solidFill>
-                <a:latin typeface="+mj-ea"/>
-                <a:ea typeface="+mj-ea"/>
+                <a:latin typeface="더잠실 OTF 5 Bold" panose="00000800000000000000" pitchFamily="50" charset="-127"/>
+                <a:ea typeface="더잠실 OTF 5 Bold" panose="00000800000000000000" pitchFamily="50" charset="-127"/>
               </a:rPr>
               <a:t>4. </a:t>
             </a:r>
@@ -4771,8 +4936,8 @@
                     <a:lumMod val="50000"/>
                   </a:schemeClr>
                 </a:solidFill>
-                <a:latin typeface="+mj-ea"/>
-                <a:ea typeface="+mj-ea"/>
+                <a:latin typeface="더잠실 OTF 5 Bold" panose="00000800000000000000" pitchFamily="50" charset="-127"/>
+                <a:ea typeface="더잠실 OTF 5 Bold" panose="00000800000000000000" pitchFamily="50" charset="-127"/>
               </a:rPr>
               <a:t>프로젝트</a:t>
             </a:r>
@@ -4783,8 +4948,8 @@
                     <a:lumMod val="50000"/>
                   </a:schemeClr>
                 </a:solidFill>
-                <a:latin typeface="+mj-ea"/>
-                <a:ea typeface="+mj-ea"/>
+                <a:latin typeface="더잠실 OTF 5 Bold" panose="00000800000000000000" pitchFamily="50" charset="-127"/>
+                <a:ea typeface="더잠실 OTF 5 Bold" panose="00000800000000000000" pitchFamily="50" charset="-127"/>
               </a:rPr>
               <a:t> </a:t>
             </a:r>
@@ -4795,12 +4960,15 @@
                     <a:lumMod val="50000"/>
                   </a:schemeClr>
                 </a:solidFill>
-                <a:latin typeface="+mj-ea"/>
-                <a:ea typeface="+mj-ea"/>
+                <a:latin typeface="더잠실 OTF 5 Bold" panose="00000800000000000000" pitchFamily="50" charset="-127"/>
+                <a:ea typeface="더잠실 OTF 5 Bold" panose="00000800000000000000" pitchFamily="50" charset="-127"/>
               </a:rPr>
               <a:t>자체평가 </a:t>
             </a:r>
-            <a:endParaRPr lang="ko-KR" altLang="en-US" sz="4800" dirty="0"/>
+            <a:endParaRPr lang="ko-KR" altLang="en-US" sz="4800" dirty="0">
+              <a:latin typeface="더잠실 OTF 5 Bold" panose="00000800000000000000" pitchFamily="50" charset="-127"/>
+              <a:ea typeface="더잠실 OTF 5 Bold" panose="00000800000000000000" pitchFamily="50" charset="-127"/>
+            </a:endParaRPr>
           </a:p>
         </p:txBody>
       </p:sp>
@@ -4844,7 +5012,8 @@
                     <a:lumMod val="50000"/>
                   </a:schemeClr>
                 </a:solidFill>
-                <a:latin typeface="+mn-ea"/>
+                <a:latin typeface="더잠실 OTF 5 Bold" panose="00000800000000000000" pitchFamily="50" charset="-127"/>
+                <a:ea typeface="더잠실 OTF 5 Bold" panose="00000800000000000000" pitchFamily="50" charset="-127"/>
               </a:rPr>
               <a:t>C</a:t>
             </a:r>
@@ -4855,7 +5024,8 @@
                     <a:lumMod val="50000"/>
                   </a:schemeClr>
                 </a:solidFill>
-                <a:latin typeface="+mn-ea"/>
+                <a:latin typeface="더잠실 OTF 5 Bold" panose="00000800000000000000" pitchFamily="50" charset="-127"/>
+                <a:ea typeface="더잠실 OTF 5 Bold" panose="00000800000000000000" pitchFamily="50" charset="-127"/>
               </a:rPr>
               <a:t>언어를 배운 직후라 익숙하다고 생각했지만 구조체나 배열은 여전히 버벅댔고 기능을 구현하는 데 있어 어려움을 많이 느꼈습니다</a:t>
             </a:r>
@@ -4866,7 +5036,8 @@
                     <a:lumMod val="50000"/>
                   </a:schemeClr>
                 </a:solidFill>
-                <a:latin typeface="+mn-ea"/>
+                <a:latin typeface="더잠실 OTF 5 Bold" panose="00000800000000000000" pitchFamily="50" charset="-127"/>
+                <a:ea typeface="더잠실 OTF 5 Bold" panose="00000800000000000000" pitchFamily="50" charset="-127"/>
               </a:rPr>
               <a:t>.</a:t>
             </a:r>
@@ -4884,7 +5055,8 @@
                     <a:lumMod val="50000"/>
                   </a:schemeClr>
                 </a:solidFill>
-                <a:latin typeface="+mn-ea"/>
+                <a:latin typeface="더잠실 OTF 5 Bold" panose="00000800000000000000" pitchFamily="50" charset="-127"/>
+                <a:ea typeface="더잠실 OTF 5 Bold" panose="00000800000000000000" pitchFamily="50" charset="-127"/>
               </a:rPr>
               <a:t>앞으로 이런 기회를 늘려 좀 더 탄탄하고 실용적인 프로그램을 만들고 싶어 졌습니다</a:t>
             </a:r>
@@ -4895,7 +5067,8 @@
                     <a:lumMod val="50000"/>
                   </a:schemeClr>
                 </a:solidFill>
-                <a:latin typeface="+mn-ea"/>
+                <a:latin typeface="더잠실 OTF 5 Bold" panose="00000800000000000000" pitchFamily="50" charset="-127"/>
+                <a:ea typeface="더잠실 OTF 5 Bold" panose="00000800000000000000" pitchFamily="50" charset="-127"/>
               </a:rPr>
               <a:t>.</a:t>
             </a:r>
@@ -4913,7 +5086,8 @@
                     <a:lumMod val="50000"/>
                   </a:schemeClr>
                 </a:solidFill>
-                <a:latin typeface="+mn-ea"/>
+                <a:latin typeface="더잠실 OTF 5 Bold" panose="00000800000000000000" pitchFamily="50" charset="-127"/>
+                <a:ea typeface="더잠실 OTF 5 Bold" panose="00000800000000000000" pitchFamily="50" charset="-127"/>
               </a:rPr>
               <a:t>그리고 </a:t>
             </a:r>
@@ -4924,7 +5098,8 @@
                     <a:lumMod val="50000"/>
                   </a:schemeClr>
                 </a:solidFill>
-                <a:latin typeface="+mn-ea"/>
+                <a:latin typeface="더잠실 OTF 5 Bold" panose="00000800000000000000" pitchFamily="50" charset="-127"/>
+                <a:ea typeface="더잠실 OTF 5 Bold" panose="00000800000000000000" pitchFamily="50" charset="-127"/>
               </a:rPr>
               <a:t> </a:t>
             </a:r>
@@ -4935,7 +5110,8 @@
                     <a:lumMod val="50000"/>
                   </a:schemeClr>
                 </a:solidFill>
-                <a:latin typeface="+mn-ea"/>
+                <a:latin typeface="더잠실 OTF 5 Bold" panose="00000800000000000000" pitchFamily="50" charset="-127"/>
+                <a:ea typeface="더잠실 OTF 5 Bold" panose="00000800000000000000" pitchFamily="50" charset="-127"/>
               </a:rPr>
               <a:t>프로그래밍 외적인 부분에서도 팀원에게 배울 점이 많았고 주변 팀원들이 한 분야 한 분야의 선생님이라고 느꼈습니다</a:t>
             </a:r>
@@ -4946,7 +5122,8 @@
                     <a:lumMod val="50000"/>
                   </a:schemeClr>
                 </a:solidFill>
-                <a:latin typeface="+mn-ea"/>
+                <a:latin typeface="더잠실 OTF 5 Bold" panose="00000800000000000000" pitchFamily="50" charset="-127"/>
+                <a:ea typeface="더잠실 OTF 5 Bold" panose="00000800000000000000" pitchFamily="50" charset="-127"/>
               </a:rPr>
               <a:t>. </a:t>
             </a:r>
@@ -4964,7 +5141,8 @@
                     <a:lumMod val="50000"/>
                   </a:schemeClr>
                 </a:solidFill>
-                <a:latin typeface="+mn-ea"/>
+                <a:latin typeface="더잠실 OTF 5 Bold" panose="00000800000000000000" pitchFamily="50" charset="-127"/>
+                <a:ea typeface="더잠실 OTF 5 Bold" panose="00000800000000000000" pitchFamily="50" charset="-127"/>
               </a:rPr>
               <a:t>부족한 점이 많은 저와 끝까지 함께해 준 팀원에게 무한한 감사를 드립니다  </a:t>
             </a:r>
@@ -4975,7 +5153,8 @@
                     <a:lumMod val="50000"/>
                   </a:schemeClr>
                 </a:solidFill>
-                <a:latin typeface="+mn-ea"/>
+                <a:latin typeface="더잠실 OTF 5 Bold" panose="00000800000000000000" pitchFamily="50" charset="-127"/>
+                <a:ea typeface="더잠실 OTF 5 Bold" panose="00000800000000000000" pitchFamily="50" charset="-127"/>
                 <a:sym typeface="Wingdings" panose="05000000000000000000" pitchFamily="2" charset="2"/>
               </a:rPr>
               <a:t>:)</a:t>
@@ -4986,7 +5165,8 @@
                   <a:lumMod val="50000"/>
                 </a:schemeClr>
               </a:solidFill>
-              <a:latin typeface="+mn-ea"/>
+              <a:latin typeface="더잠실 OTF 5 Bold" panose="00000800000000000000" pitchFamily="50" charset="-127"/>
+              <a:ea typeface="더잠실 OTF 5 Bold" panose="00000800000000000000" pitchFamily="50" charset="-127"/>
             </a:endParaRPr>
           </a:p>
         </p:txBody>
@@ -5006,7 +5186,7 @@
         <p:spPr>
           <a:xfrm>
             <a:off x="986724" y="2629704"/>
-            <a:ext cx="2944321" cy="2537426"/>
+            <a:ext cx="2944321" cy="2959913"/>
           </a:xfrm>
           <a:prstGeom prst="rect">
             <a:avLst/>
@@ -5029,7 +5209,8 @@
                 <a:solidFill>
                   <a:schemeClr val="bg1"/>
                 </a:solidFill>
-                <a:latin typeface="+mn-ea"/>
+                <a:latin typeface="더잠실 OTF 5 Bold" panose="00000800000000000000" pitchFamily="50" charset="-127"/>
+                <a:ea typeface="더잠실 OTF 5 Bold" panose="00000800000000000000" pitchFamily="50" charset="-127"/>
               </a:rPr>
               <a:t>첫 회의 하면서 프로그램 틀을 구성했을 때  이것을 구현 시킬 수 있을까</a:t>
             </a:r>
@@ -5038,7 +5219,8 @@
                 <a:solidFill>
                   <a:schemeClr val="bg1"/>
                 </a:solidFill>
-                <a:latin typeface="+mn-ea"/>
+                <a:latin typeface="더잠실 OTF 5 Bold" panose="00000800000000000000" pitchFamily="50" charset="-127"/>
+                <a:ea typeface="더잠실 OTF 5 Bold" panose="00000800000000000000" pitchFamily="50" charset="-127"/>
               </a:rPr>
               <a:t>? </a:t>
             </a:r>
@@ -5047,7 +5229,8 @@
                 <a:solidFill>
                   <a:schemeClr val="bg1"/>
                 </a:solidFill>
-                <a:latin typeface="+mn-ea"/>
+                <a:latin typeface="더잠실 OTF 5 Bold" panose="00000800000000000000" pitchFamily="50" charset="-127"/>
+                <a:ea typeface="더잠실 OTF 5 Bold" panose="00000800000000000000" pitchFamily="50" charset="-127"/>
               </a:rPr>
               <a:t>라는  두려움과 의구심이 들었지만 </a:t>
             </a:r>
@@ -5055,7 +5238,8 @@
               <a:solidFill>
                 <a:schemeClr val="bg1"/>
               </a:solidFill>
-              <a:latin typeface="+mn-ea"/>
+              <a:latin typeface="더잠실 OTF 5 Bold" panose="00000800000000000000" pitchFamily="50" charset="-127"/>
+              <a:ea typeface="더잠실 OTF 5 Bold" panose="00000800000000000000" pitchFamily="50" charset="-127"/>
             </a:endParaRPr>
           </a:p>
           <a:p>
@@ -5069,7 +5253,8 @@
                 <a:solidFill>
                   <a:schemeClr val="bg1"/>
                 </a:solidFill>
-                <a:latin typeface="+mn-ea"/>
+                <a:latin typeface="더잠실 OTF 5 Bold" panose="00000800000000000000" pitchFamily="50" charset="-127"/>
+                <a:ea typeface="더잠실 OTF 5 Bold" panose="00000800000000000000" pitchFamily="50" charset="-127"/>
               </a:rPr>
               <a:t>팀원들과  함께 힘을  내서  완성을 시켰을 때의 성취감이 느껴져서  </a:t>
             </a:r>
@@ -5077,7 +5262,8 @@
               <a:solidFill>
                 <a:schemeClr val="bg1"/>
               </a:solidFill>
-              <a:latin typeface="+mn-ea"/>
+              <a:latin typeface="더잠실 OTF 5 Bold" panose="00000800000000000000" pitchFamily="50" charset="-127"/>
+              <a:ea typeface="더잠실 OTF 5 Bold" panose="00000800000000000000" pitchFamily="50" charset="-127"/>
             </a:endParaRPr>
           </a:p>
           <a:p>
@@ -5091,7 +5277,8 @@
                 <a:solidFill>
                   <a:schemeClr val="bg1"/>
                 </a:solidFill>
-                <a:latin typeface="+mn-ea"/>
+                <a:latin typeface="더잠실 OTF 5 Bold" panose="00000800000000000000" pitchFamily="50" charset="-127"/>
+                <a:ea typeface="더잠실 OTF 5 Bold" panose="00000800000000000000" pitchFamily="50" charset="-127"/>
               </a:rPr>
               <a:t>보람찼다</a:t>
             </a:r>
@@ -5100,7 +5287,8 @@
                 <a:solidFill>
                   <a:schemeClr val="bg1"/>
                 </a:solidFill>
-                <a:latin typeface="+mn-ea"/>
+                <a:latin typeface="더잠실 OTF 5 Bold" panose="00000800000000000000" pitchFamily="50" charset="-127"/>
+                <a:ea typeface="더잠실 OTF 5 Bold" panose="00000800000000000000" pitchFamily="50" charset="-127"/>
               </a:rPr>
               <a:t>. </a:t>
             </a:r>
@@ -5146,6 +5334,8 @@
                     <a:lumOff val="25000"/>
                   </a:schemeClr>
                 </a:solidFill>
+                <a:latin typeface="더잠실 OTF 5 Bold" panose="00000800000000000000" pitchFamily="50" charset="-127"/>
+                <a:ea typeface="더잠실 OTF 5 Bold" panose="00000800000000000000" pitchFamily="50" charset="-127"/>
               </a:rPr>
               <a:t>최효정</a:t>
             </a:r>
@@ -5191,6 +5381,8 @@
                     <a:lumOff val="25000"/>
                   </a:schemeClr>
                 </a:solidFill>
+                <a:latin typeface="더잠실 OTF 5 Bold" panose="00000800000000000000" pitchFamily="50" charset="-127"/>
+                <a:ea typeface="더잠실 OTF 5 Bold" panose="00000800000000000000" pitchFamily="50" charset="-127"/>
               </a:rPr>
               <a:t>신예원</a:t>
             </a:r>
@@ -5202,6 +5394,8 @@
                     <a:lumOff val="25000"/>
                   </a:schemeClr>
                 </a:solidFill>
+                <a:latin typeface="더잠실 OTF 5 Bold" panose="00000800000000000000" pitchFamily="50" charset="-127"/>
+                <a:ea typeface="더잠실 OTF 5 Bold" panose="00000800000000000000" pitchFamily="50" charset="-127"/>
               </a:rPr>
               <a:t>	</a:t>
             </a:r>
@@ -5213,6 +5407,8 @@
                     <a:lumOff val="25000"/>
                   </a:schemeClr>
                 </a:solidFill>
+                <a:latin typeface="더잠실 OTF 5 Bold" panose="00000800000000000000" pitchFamily="50" charset="-127"/>
+                <a:ea typeface="더잠실 OTF 5 Bold" panose="00000800000000000000" pitchFamily="50" charset="-127"/>
               </a:rPr>
               <a:t> </a:t>
             </a:r>
@@ -5345,8 +5541,8 @@
         </p:nvSpPr>
         <p:spPr>
           <a:xfrm>
-            <a:off x="3877289" y="3010071"/>
-            <a:ext cx="4437433" cy="1200329"/>
+            <a:off x="3757064" y="3010071"/>
+            <a:ext cx="4677884" cy="1200329"/>
           </a:xfrm>
           <a:prstGeom prst="rect">
             <a:avLst/>
@@ -5365,6 +5561,8 @@
                 <a:solidFill>
                   <a:schemeClr val="accent1"/>
                 </a:solidFill>
+                <a:latin typeface="더잠실 OTF 5 Bold" panose="00000800000000000000" pitchFamily="50" charset="-127"/>
+                <a:ea typeface="더잠실 OTF 5 Bold" panose="00000800000000000000" pitchFamily="50" charset="-127"/>
               </a:rPr>
               <a:t>감사합니다</a:t>
             </a:r>
@@ -5373,6 +5571,8 @@
                 <a:solidFill>
                   <a:schemeClr val="accent1"/>
                 </a:solidFill>
+                <a:latin typeface="더잠실 OTF 5 Bold" panose="00000800000000000000" pitchFamily="50" charset="-127"/>
+                <a:ea typeface="더잠실 OTF 5 Bold" panose="00000800000000000000" pitchFamily="50" charset="-127"/>
               </a:rPr>
               <a:t>.</a:t>
             </a:r>
@@ -5380,6 +5580,8 @@
               <a:solidFill>
                 <a:schemeClr val="accent1"/>
               </a:solidFill>
+              <a:latin typeface="더잠실 OTF 5 Bold" panose="00000800000000000000" pitchFamily="50" charset="-127"/>
+              <a:ea typeface="더잠실 OTF 5 Bold" panose="00000800000000000000" pitchFamily="50" charset="-127"/>
             </a:endParaRPr>
           </a:p>
         </p:txBody>
@@ -5426,7 +5628,10 @@
           <a:lstStyle/>
           <a:p>
             <a:pPr algn="ctr"/>
-            <a:endParaRPr lang="ko-KR" altLang="en-US"/>
+            <a:endParaRPr lang="ko-KR" altLang="en-US">
+              <a:latin typeface="더잠실 OTF 5 Bold" panose="00000800000000000000" pitchFamily="50" charset="-127"/>
+              <a:ea typeface="더잠실 OTF 5 Bold" panose="00000800000000000000" pitchFamily="50" charset="-127"/>
+            </a:endParaRPr>
           </a:p>
         </p:txBody>
       </p:sp>
@@ -5485,7 +5690,7 @@
           <p:nvPr/>
         </p:nvPicPr>
         <p:blipFill rotWithShape="1">
-          <a:blip r:embed="rId3" cstate="hqprint">
+          <a:blip r:embed="rId3">
             <a:extLst>
               <a:ext uri="{28A0092B-C50C-407E-A947-70E740481C1C}">
                 <a14:useLocalDpi xmlns:a14="http://schemas.microsoft.com/office/drawing/2010/main" val="0"/>
@@ -5606,7 +5811,7 @@
         <p:spPr>
           <a:xfrm>
             <a:off x="1229707" y="721892"/>
-            <a:ext cx="982961" cy="646331"/>
+            <a:ext cx="1027845" cy="646331"/>
           </a:xfrm>
           <a:prstGeom prst="rect">
             <a:avLst/>
@@ -5624,8 +5829,8 @@
                 <a:solidFill>
                   <a:schemeClr val="accent1"/>
                 </a:solidFill>
-                <a:latin typeface="+mj-ea"/>
-                <a:ea typeface="+mj-ea"/>
+                <a:latin typeface="더잠실 OTF 5 Bold" panose="00000800000000000000" pitchFamily="50" charset="-127"/>
+                <a:ea typeface="더잠실 OTF 5 Bold" panose="00000800000000000000" pitchFamily="50" charset="-127"/>
               </a:rPr>
               <a:t>목차</a:t>
             </a:r>
@@ -5647,7 +5852,7 @@
         <p:spPr>
           <a:xfrm>
             <a:off x="1867296" y="1846549"/>
-            <a:ext cx="304892" cy="400110"/>
+            <a:ext cx="344966" cy="400110"/>
           </a:xfrm>
           <a:prstGeom prst="rect">
             <a:avLst/>
@@ -5665,6 +5870,8 @@
                 <a:solidFill>
                   <a:schemeClr val="accent1"/>
                 </a:solidFill>
+                <a:latin typeface="더잠실 OTF 5 Bold" panose="00000800000000000000" pitchFamily="50" charset="-127"/>
+                <a:ea typeface="더잠실 OTF 5 Bold" panose="00000800000000000000" pitchFamily="50" charset="-127"/>
               </a:rPr>
               <a:t>1</a:t>
             </a:r>
@@ -5672,6 +5879,8 @@
               <a:solidFill>
                 <a:schemeClr val="accent1"/>
               </a:solidFill>
+              <a:latin typeface="더잠실 OTF 5 Bold" panose="00000800000000000000" pitchFamily="50" charset="-127"/>
+              <a:ea typeface="더잠실 OTF 5 Bold" panose="00000800000000000000" pitchFamily="50" charset="-127"/>
             </a:endParaRPr>
           </a:p>
         </p:txBody>
@@ -5691,7 +5900,7 @@
         <p:spPr>
           <a:xfrm>
             <a:off x="2552876" y="1804609"/>
-            <a:ext cx="2024913" cy="523220"/>
+            <a:ext cx="2073003" cy="523220"/>
           </a:xfrm>
           <a:prstGeom prst="rect">
             <a:avLst/>
@@ -5709,6 +5918,8 @@
                 <a:solidFill>
                   <a:schemeClr val="accent1"/>
                 </a:solidFill>
+                <a:latin typeface="더잠실 OTF 5 Bold" panose="00000800000000000000" pitchFamily="50" charset="-127"/>
+                <a:ea typeface="더잠실 OTF 5 Bold" panose="00000800000000000000" pitchFamily="50" charset="-127"/>
               </a:rPr>
               <a:t>프로젝트  개요  </a:t>
             </a:r>
@@ -5748,6 +5959,8 @@
                 <a:solidFill>
                   <a:schemeClr val="accent1"/>
                 </a:solidFill>
+                <a:latin typeface="더잠실 OTF 5 Bold" panose="00000800000000000000" pitchFamily="50" charset="-127"/>
+                <a:ea typeface="더잠실 OTF 5 Bold" panose="00000800000000000000" pitchFamily="50" charset="-127"/>
               </a:rPr>
               <a:t>2</a:t>
             </a:r>
@@ -5755,6 +5968,8 @@
               <a:solidFill>
                 <a:schemeClr val="accent1"/>
               </a:solidFill>
+              <a:latin typeface="더잠실 OTF 5 Bold" panose="00000800000000000000" pitchFamily="50" charset="-127"/>
+              <a:ea typeface="더잠실 OTF 5 Bold" panose="00000800000000000000" pitchFamily="50" charset="-127"/>
             </a:endParaRPr>
           </a:p>
         </p:txBody>
@@ -5792,6 +6007,8 @@
                 <a:solidFill>
                   <a:schemeClr val="accent1"/>
                 </a:solidFill>
+                <a:latin typeface="더잠실 OTF 5 Bold" panose="00000800000000000000" pitchFamily="50" charset="-127"/>
+                <a:ea typeface="더잠실 OTF 5 Bold" panose="00000800000000000000" pitchFamily="50" charset="-127"/>
               </a:rPr>
               <a:t>3</a:t>
             </a:r>
@@ -5799,6 +6016,8 @@
               <a:solidFill>
                 <a:schemeClr val="accent1"/>
               </a:solidFill>
+              <a:latin typeface="더잠실 OTF 5 Bold" panose="00000800000000000000" pitchFamily="50" charset="-127"/>
+              <a:ea typeface="더잠실 OTF 5 Bold" panose="00000800000000000000" pitchFamily="50" charset="-127"/>
             </a:endParaRPr>
           </a:p>
         </p:txBody>
@@ -5818,7 +6037,7 @@
         <p:spPr>
           <a:xfrm>
             <a:off x="2488717" y="4412397"/>
-            <a:ext cx="1973617" cy="523220"/>
+            <a:ext cx="2036135" cy="523220"/>
           </a:xfrm>
           <a:prstGeom prst="rect">
             <a:avLst/>
@@ -5836,6 +6055,8 @@
                 <a:solidFill>
                   <a:schemeClr val="accent1"/>
                 </a:solidFill>
+                <a:latin typeface="더잠실 OTF 5 Bold" panose="00000800000000000000" pitchFamily="50" charset="-127"/>
+                <a:ea typeface="더잠실 OTF 5 Bold" panose="00000800000000000000" pitchFamily="50" charset="-127"/>
               </a:rPr>
               <a:t>프로젝트  결과 </a:t>
             </a:r>
@@ -5875,6 +6096,8 @@
                 <a:solidFill>
                   <a:schemeClr val="accent1"/>
                 </a:solidFill>
+                <a:latin typeface="더잠실 OTF 5 Bold" panose="00000800000000000000" pitchFamily="50" charset="-127"/>
+                <a:ea typeface="더잠실 OTF 5 Bold" panose="00000800000000000000" pitchFamily="50" charset="-127"/>
               </a:rPr>
               <a:t>4</a:t>
             </a:r>
@@ -5882,6 +6105,8 @@
               <a:solidFill>
                 <a:schemeClr val="accent1"/>
               </a:solidFill>
+              <a:latin typeface="더잠실 OTF 5 Bold" panose="00000800000000000000" pitchFamily="50" charset="-127"/>
+              <a:ea typeface="더잠실 OTF 5 Bold" panose="00000800000000000000" pitchFamily="50" charset="-127"/>
             </a:endParaRPr>
           </a:p>
         </p:txBody>
@@ -5901,7 +6126,7 @@
         <p:spPr>
           <a:xfrm>
             <a:off x="2488717" y="5367250"/>
-            <a:ext cx="2518638" cy="523220"/>
+            <a:ext cx="2616422" cy="523220"/>
           </a:xfrm>
           <a:prstGeom prst="rect">
             <a:avLst/>
@@ -5919,6 +6144,8 @@
                 <a:solidFill>
                   <a:schemeClr val="accent1"/>
                 </a:solidFill>
+                <a:latin typeface="더잠실 OTF 5 Bold" panose="00000800000000000000" pitchFamily="50" charset="-127"/>
+                <a:ea typeface="더잠실 OTF 5 Bold" panose="00000800000000000000" pitchFamily="50" charset="-127"/>
               </a:rPr>
               <a:t>프로젝트  자체평가 </a:t>
             </a:r>
@@ -5940,7 +6167,7 @@
         <p:spPr>
           <a:xfrm>
             <a:off x="2524638" y="3123573"/>
-            <a:ext cx="1973617" cy="523220"/>
+            <a:ext cx="2036135" cy="523220"/>
           </a:xfrm>
           <a:prstGeom prst="rect">
             <a:avLst/>
@@ -5958,6 +6185,8 @@
                 <a:solidFill>
                   <a:schemeClr val="accent1"/>
                 </a:solidFill>
+                <a:latin typeface="더잠실 OTF 5 Bold" panose="00000800000000000000" pitchFamily="50" charset="-127"/>
+                <a:ea typeface="더잠실 OTF 5 Bold" panose="00000800000000000000" pitchFamily="50" charset="-127"/>
               </a:rPr>
               <a:t>프로젝트  절차 </a:t>
             </a:r>
@@ -5979,7 +6208,7 @@
         <p:spPr>
           <a:xfrm>
             <a:off x="2619504" y="2246024"/>
-            <a:ext cx="2967396" cy="923330"/>
+            <a:ext cx="2662709" cy="923330"/>
           </a:xfrm>
           <a:prstGeom prst="rect">
             <a:avLst/>
@@ -5997,10 +6226,16 @@
               <a:buChar char="•"/>
             </a:pPr>
             <a:r>
-              <a:rPr lang="ko-KR" altLang="en-US" dirty="0"/>
+              <a:rPr lang="ko-KR" altLang="en-US" dirty="0">
+                <a:latin typeface="더잠실 OTF 5 Bold" panose="00000800000000000000" pitchFamily="50" charset="-127"/>
+                <a:ea typeface="더잠실 OTF 5 Bold" panose="00000800000000000000" pitchFamily="50" charset="-127"/>
+              </a:rPr>
               <a:t>개발 의도 및 주요기능 </a:t>
             </a:r>
-            <a:endParaRPr lang="en-US" altLang="ko-KR" dirty="0"/>
+            <a:endParaRPr lang="en-US" altLang="ko-KR" dirty="0">
+              <a:latin typeface="더잠실 OTF 5 Bold" panose="00000800000000000000" pitchFamily="50" charset="-127"/>
+              <a:ea typeface="더잠실 OTF 5 Bold" panose="00000800000000000000" pitchFamily="50" charset="-127"/>
+            </a:endParaRPr>
           </a:p>
           <a:p>
             <a:pPr marL="285750" indent="-285750">
@@ -6011,7 +6246,8 @@
               <a:solidFill>
                 <a:schemeClr val="bg1"/>
               </a:solidFill>
-              <a:latin typeface="+mn-ea"/>
+              <a:latin typeface="더잠실 OTF 5 Bold" panose="00000800000000000000" pitchFamily="50" charset="-127"/>
+              <a:ea typeface="더잠실 OTF 5 Bold" panose="00000800000000000000" pitchFamily="50" charset="-127"/>
             </a:endParaRPr>
           </a:p>
           <a:p>
@@ -6019,7 +6255,10 @@
               <a:buFont typeface="Arial" panose="020B0604020202020204" pitchFamily="34" charset="0"/>
               <a:buChar char="•"/>
             </a:pPr>
-            <a:endParaRPr lang="ko-KR" altLang="en-US" dirty="0"/>
+            <a:endParaRPr lang="ko-KR" altLang="en-US" dirty="0">
+              <a:latin typeface="더잠실 OTF 5 Bold" panose="00000800000000000000" pitchFamily="50" charset="-127"/>
+              <a:ea typeface="더잠실 OTF 5 Bold" panose="00000800000000000000" pitchFamily="50" charset="-127"/>
+            </a:endParaRPr>
           </a:p>
         </p:txBody>
       </p:sp>
@@ -6056,7 +6295,10 @@
               <a:buChar char="•"/>
             </a:pPr>
             <a:r>
-              <a:rPr lang="ko-KR" altLang="en-US" dirty="0"/>
+              <a:rPr lang="ko-KR" altLang="en-US" dirty="0">
+                <a:latin typeface="더잠실 OTF 5 Bold" panose="00000800000000000000" pitchFamily="50" charset="-127"/>
+                <a:ea typeface="더잠실 OTF 5 Bold" panose="00000800000000000000" pitchFamily="50" charset="-127"/>
+              </a:rPr>
               <a:t>팀 구성원 역할</a:t>
             </a:r>
           </a:p>
@@ -6095,7 +6337,10 @@
               <a:buChar char="•"/>
             </a:pPr>
             <a:r>
-              <a:rPr lang="ko-KR" altLang="en-US" dirty="0"/>
+              <a:rPr lang="ko-KR" altLang="en-US" dirty="0">
+                <a:latin typeface="더잠실 OTF 5 Bold" panose="00000800000000000000" pitchFamily="50" charset="-127"/>
+                <a:ea typeface="더잠실 OTF 5 Bold" panose="00000800000000000000" pitchFamily="50" charset="-127"/>
+              </a:rPr>
               <a:t>작업 일정 </a:t>
             </a:r>
           </a:p>
@@ -6134,7 +6379,10 @@
               <a:buChar char="•"/>
             </a:pPr>
             <a:r>
-              <a:rPr lang="ko-KR" altLang="en-US" dirty="0"/>
+              <a:rPr lang="ko-KR" altLang="en-US" dirty="0">
+                <a:latin typeface="더잠실 OTF 5 Bold" panose="00000800000000000000" pitchFamily="50" charset="-127"/>
+                <a:ea typeface="더잠실 OTF 5 Bold" panose="00000800000000000000" pitchFamily="50" charset="-127"/>
+              </a:rPr>
               <a:t>프로그램 설계도 </a:t>
             </a:r>
           </a:p>
@@ -6213,7 +6461,7 @@
           <p:spPr>
             <a:xfrm>
               <a:off x="6817895" y="310803"/>
-              <a:ext cx="1430200" cy="3154710"/>
+              <a:ext cx="1771639" cy="3154710"/>
             </a:xfrm>
             <a:prstGeom prst="rect">
               <a:avLst/>
@@ -6231,8 +6479,8 @@
                   <a:solidFill>
                     <a:schemeClr val="bg1"/>
                   </a:solidFill>
-                  <a:latin typeface="+mj-ea"/>
-                  <a:ea typeface="+mj-ea"/>
+                  <a:latin typeface="더잠실 OTF 5 Bold" panose="00000800000000000000" pitchFamily="50" charset="-127"/>
+                  <a:ea typeface="더잠실 OTF 5 Bold" panose="00000800000000000000" pitchFamily="50" charset="-127"/>
                 </a:rPr>
                 <a:t>1</a:t>
               </a:r>
@@ -6240,8 +6488,8 @@
                 <a:solidFill>
                   <a:schemeClr val="bg1"/>
                 </a:solidFill>
-                <a:latin typeface="+mj-ea"/>
-                <a:ea typeface="+mj-ea"/>
+                <a:latin typeface="더잠실 OTF 5 Bold" panose="00000800000000000000" pitchFamily="50" charset="-127"/>
+                <a:ea typeface="더잠실 OTF 5 Bold" panose="00000800000000000000" pitchFamily="50" charset="-127"/>
               </a:endParaRPr>
             </a:p>
           </p:txBody>
@@ -6261,7 +6509,7 @@
           <p:spPr>
             <a:xfrm>
               <a:off x="6817895" y="3350782"/>
-              <a:ext cx="3355406" cy="830997"/>
+              <a:ext cx="3512500" cy="830997"/>
             </a:xfrm>
             <a:prstGeom prst="rect">
               <a:avLst/>
@@ -6279,7 +6527,8 @@
                   <a:solidFill>
                     <a:schemeClr val="bg1"/>
                   </a:solidFill>
-                  <a:latin typeface="+mn-ea"/>
+                  <a:latin typeface="더잠실 OTF 5 Bold" panose="00000800000000000000" pitchFamily="50" charset="-127"/>
+                  <a:ea typeface="더잠실 OTF 5 Bold" panose="00000800000000000000" pitchFamily="50" charset="-127"/>
                 </a:rPr>
                 <a:t>프로젝트 개요 </a:t>
               </a:r>
@@ -6477,6 +6726,8 @@
                 <a:solidFill>
                   <a:schemeClr val="accent1"/>
                 </a:solidFill>
+                <a:latin typeface="더잠실 OTF 5 Bold" panose="00000800000000000000" pitchFamily="50" charset="-127"/>
+                <a:ea typeface="더잠실 OTF 5 Bold" panose="00000800000000000000" pitchFamily="50" charset="-127"/>
               </a:rPr>
               <a:t> </a:t>
             </a:r>
@@ -6553,12 +6804,18 @@
           <a:lstStyle/>
           <a:p>
             <a:r>
-              <a:rPr lang="ko-KR" altLang="en-US" dirty="0"/>
+              <a:rPr lang="ko-KR" altLang="en-US" dirty="0">
+                <a:latin typeface="더잠실 OTF 5 Bold" panose="00000800000000000000" pitchFamily="50" charset="-127"/>
+                <a:ea typeface="더잠실 OTF 5 Bold" panose="00000800000000000000" pitchFamily="50" charset="-127"/>
+              </a:rPr>
               <a:t> </a:t>
             </a:r>
           </a:p>
           <a:p>
-            <a:endParaRPr lang="ko-KR" altLang="en-US" dirty="0"/>
+            <a:endParaRPr lang="ko-KR" altLang="en-US" dirty="0">
+              <a:latin typeface="더잠실 OTF 5 Bold" panose="00000800000000000000" pitchFamily="50" charset="-127"/>
+              <a:ea typeface="더잠실 OTF 5 Bold" panose="00000800000000000000" pitchFamily="50" charset="-127"/>
+            </a:endParaRPr>
           </a:p>
         </p:txBody>
       </p:sp>
@@ -6597,8 +6854,8 @@
                     <a:lumMod val="50000"/>
                   </a:schemeClr>
                 </a:solidFill>
-                <a:latin typeface="+mj-ea"/>
-                <a:ea typeface="+mj-ea"/>
+                <a:latin typeface="더잠실 OTF 5 Bold" panose="00000800000000000000" pitchFamily="50" charset="-127"/>
+                <a:ea typeface="더잠실 OTF 5 Bold" panose="00000800000000000000" pitchFamily="50" charset="-127"/>
               </a:rPr>
               <a:t>1. </a:t>
             </a:r>
@@ -6609,8 +6866,8 @@
                     <a:lumMod val="50000"/>
                   </a:schemeClr>
                 </a:solidFill>
-                <a:latin typeface="+mj-ea"/>
-                <a:ea typeface="+mj-ea"/>
+                <a:latin typeface="더잠실 OTF 5 Bold" panose="00000800000000000000" pitchFamily="50" charset="-127"/>
+                <a:ea typeface="더잠실 OTF 5 Bold" panose="00000800000000000000" pitchFamily="50" charset="-127"/>
               </a:rPr>
               <a:t>프로젝트</a:t>
             </a:r>
@@ -6621,8 +6878,8 @@
                     <a:lumMod val="50000"/>
                   </a:schemeClr>
                 </a:solidFill>
-                <a:latin typeface="+mj-ea"/>
-                <a:ea typeface="+mj-ea"/>
+                <a:latin typeface="더잠실 OTF 5 Bold" panose="00000800000000000000" pitchFamily="50" charset="-127"/>
+                <a:ea typeface="더잠실 OTF 5 Bold" panose="00000800000000000000" pitchFamily="50" charset="-127"/>
               </a:rPr>
               <a:t> </a:t>
             </a:r>
@@ -6633,12 +6890,15 @@
                     <a:lumMod val="50000"/>
                   </a:schemeClr>
                 </a:solidFill>
-                <a:latin typeface="+mj-ea"/>
-                <a:ea typeface="+mj-ea"/>
+                <a:latin typeface="더잠실 OTF 5 Bold" panose="00000800000000000000" pitchFamily="50" charset="-127"/>
+                <a:ea typeface="더잠실 OTF 5 Bold" panose="00000800000000000000" pitchFamily="50" charset="-127"/>
               </a:rPr>
               <a:t>개요 </a:t>
             </a:r>
-            <a:endParaRPr lang="ko-KR" altLang="en-US" sz="4800" dirty="0"/>
+            <a:endParaRPr lang="ko-KR" altLang="en-US" sz="4800" dirty="0">
+              <a:latin typeface="더잠실 OTF 5 Bold" panose="00000800000000000000" pitchFamily="50" charset="-127"/>
+              <a:ea typeface="더잠실 OTF 5 Bold" panose="00000800000000000000" pitchFamily="50" charset="-127"/>
+            </a:endParaRPr>
           </a:p>
         </p:txBody>
       </p:sp>
@@ -6656,8 +6916,8 @@
         </p:nvSpPr>
         <p:spPr>
           <a:xfrm>
-            <a:off x="514905" y="949614"/>
-            <a:ext cx="2865604" cy="400110"/>
+            <a:off x="514904" y="949614"/>
+            <a:ext cx="4214411" cy="400110"/>
           </a:xfrm>
           <a:prstGeom prst="rect">
             <a:avLst/>
@@ -6671,11 +6931,17 @@
           <a:lstStyle/>
           <a:p>
             <a:r>
-              <a:rPr lang="en-US" altLang="ko-KR" sz="2000" dirty="0"/>
+              <a:rPr lang="en-US" altLang="ko-KR" sz="2000" dirty="0">
+                <a:latin typeface="더잠실 OTF 5 Bold" panose="00000800000000000000" pitchFamily="50" charset="-127"/>
+                <a:ea typeface="더잠실 OTF 5 Bold" panose="00000800000000000000" pitchFamily="50" charset="-127"/>
+              </a:rPr>
               <a:t>1-1. </a:t>
             </a:r>
             <a:r>
-              <a:rPr lang="ko-KR" altLang="en-US" sz="2000" dirty="0"/>
+              <a:rPr lang="ko-KR" altLang="en-US" sz="2000" dirty="0">
+                <a:latin typeface="더잠실 OTF 5 Bold" panose="00000800000000000000" pitchFamily="50" charset="-127"/>
+                <a:ea typeface="더잠실 OTF 5 Bold" panose="00000800000000000000" pitchFamily="50" charset="-127"/>
+              </a:rPr>
               <a:t>개발 의도 및 주요기능 </a:t>
             </a:r>
           </a:p>
@@ -6696,7 +6962,7 @@
         <p:spPr>
           <a:xfrm>
             <a:off x="1322853" y="2884630"/>
-            <a:ext cx="8140823" cy="646331"/>
+            <a:ext cx="8140823" cy="743922"/>
           </a:xfrm>
           <a:prstGeom prst="rect">
             <a:avLst/>
@@ -6714,186 +6980,188 @@
               <a:buChar char="•"/>
             </a:pPr>
             <a:r>
-              <a:rPr lang="en-US" altLang="ko-KR" dirty="0"/>
+              <a:rPr lang="en-US" altLang="ko-KR" dirty="0">
+                <a:latin typeface="더잠실 OTF 5 Bold" panose="00000800000000000000" pitchFamily="50" charset="-127"/>
+                <a:ea typeface="더잠실 OTF 5 Bold" panose="00000800000000000000" pitchFamily="50" charset="-127"/>
+              </a:rPr>
               <a:t>C</a:t>
             </a:r>
             <a:r>
-              <a:rPr lang="ko-KR" altLang="en-US" dirty="0"/>
-              <a:t>언어 시간에 학습한 내용들을 바탕으로 주제 회의 및 프로그램 기능을 구현하고   </a:t>
-            </a:r>
-            <a:endParaRPr lang="en-US" altLang="ko-KR" dirty="0"/>
-          </a:p>
+              <a:rPr lang="ko-KR" altLang="en-US" dirty="0">
+                <a:latin typeface="더잠실 OTF 5 Bold" panose="00000800000000000000" pitchFamily="50" charset="-127"/>
+                <a:ea typeface="더잠실 OTF 5 Bold" panose="00000800000000000000" pitchFamily="50" charset="-127"/>
+              </a:rPr>
+              <a:t>언어 시간에 학습한 내용들을 바탕으로 주제 회의 및 프로그램 기능을 구현하고</a:t>
+            </a:r>
+            <a:r>
+              <a:rPr lang="en-US" altLang="ko-KR" dirty="0">
+                <a:latin typeface="더잠실 OTF 5 Bold" panose="00000800000000000000" pitchFamily="50" charset="-127"/>
+                <a:ea typeface="더잠실 OTF 5 Bold" panose="00000800000000000000" pitchFamily="50" charset="-127"/>
+              </a:rPr>
+              <a:t> </a:t>
+            </a:r>
+          </a:p>
+          <a:p>
+            <a:pPr>
+              <a:lnSpc>
+                <a:spcPct val="150000"/>
+              </a:lnSpc>
+            </a:pPr>
+            <a:r>
+              <a:rPr lang="en-US" altLang="ko-KR" dirty="0">
+                <a:latin typeface="더잠실 OTF 5 Bold" panose="00000800000000000000" pitchFamily="50" charset="-127"/>
+                <a:ea typeface="더잠실 OTF 5 Bold" panose="00000800000000000000" pitchFamily="50" charset="-127"/>
+              </a:rPr>
+              <a:t>      </a:t>
+            </a:r>
+            <a:r>
+              <a:rPr lang="ko-KR" altLang="en-US" dirty="0">
+                <a:latin typeface="더잠실 OTF 5 Bold" panose="00000800000000000000" pitchFamily="50" charset="-127"/>
+                <a:ea typeface="더잠실 OTF 5 Bold" panose="00000800000000000000" pitchFamily="50" charset="-127"/>
+              </a:rPr>
+              <a:t>개발하는 과정을 경험하고자  이 프로그램을 제작 하기로 함</a:t>
+            </a:r>
+          </a:p>
+        </p:txBody>
+      </p:sp>
+      <p:sp>
+        <p:nvSpPr>
+          <p:cNvPr id="20" name="TextBox 19">
+            <a:extLst>
+              <a:ext uri="{FF2B5EF4-FFF2-40B4-BE49-F238E27FC236}">
+                <a16:creationId xmlns:a16="http://schemas.microsoft.com/office/drawing/2014/main" id="{4040872D-92A2-354A-C731-FA221F7BBC61}"/>
+              </a:ext>
+            </a:extLst>
+          </p:cNvPr>
+          <p:cNvSpPr txBox="1"/>
+          <p:nvPr/>
+        </p:nvSpPr>
+        <p:spPr>
+          <a:xfrm>
+            <a:off x="1163052" y="2350641"/>
+            <a:ext cx="1724058" cy="400110"/>
+          </a:xfrm>
+          <a:prstGeom prst="rect">
+            <a:avLst/>
+          </a:prstGeom>
+          <a:noFill/>
+        </p:spPr>
+        <p:txBody>
+          <a:bodyPr wrap="square" rtlCol="0">
+            <a:spAutoFit/>
+          </a:bodyPr>
+          <a:lstStyle/>
+          <a:p>
+            <a:r>
+              <a:rPr lang="en-US" altLang="ko-KR" sz="2000" dirty="0">
+                <a:latin typeface="더잠실 OTF 5 Bold" panose="00000800000000000000" pitchFamily="50" charset="-127"/>
+                <a:ea typeface="더잠실 OTF 5 Bold" panose="00000800000000000000" pitchFamily="50" charset="-127"/>
+              </a:rPr>
+              <a:t>1. </a:t>
+            </a:r>
+            <a:r>
+              <a:rPr lang="ko-KR" altLang="en-US" sz="2000" dirty="0">
+                <a:latin typeface="더잠실 OTF 5 Bold" panose="00000800000000000000" pitchFamily="50" charset="-127"/>
+                <a:ea typeface="더잠실 OTF 5 Bold" panose="00000800000000000000" pitchFamily="50" charset="-127"/>
+              </a:rPr>
+              <a:t>개발 의도 </a:t>
+            </a:r>
+          </a:p>
+        </p:txBody>
+      </p:sp>
+      <p:sp>
+        <p:nvSpPr>
+          <p:cNvPr id="21" name="TextBox 20">
+            <a:extLst>
+              <a:ext uri="{FF2B5EF4-FFF2-40B4-BE49-F238E27FC236}">
+                <a16:creationId xmlns:a16="http://schemas.microsoft.com/office/drawing/2014/main" id="{58066081-58FE-2A55-12D0-33492E53E0D5}"/>
+              </a:ext>
+            </a:extLst>
+          </p:cNvPr>
+          <p:cNvSpPr txBox="1"/>
+          <p:nvPr/>
+        </p:nvSpPr>
+        <p:spPr>
+          <a:xfrm>
+            <a:off x="1163052" y="4430322"/>
+            <a:ext cx="1724058" cy="400110"/>
+          </a:xfrm>
+          <a:prstGeom prst="rect">
+            <a:avLst/>
+          </a:prstGeom>
+          <a:noFill/>
+        </p:spPr>
+        <p:txBody>
+          <a:bodyPr wrap="square" rtlCol="0">
+            <a:spAutoFit/>
+          </a:bodyPr>
+          <a:lstStyle/>
+          <a:p>
+            <a:r>
+              <a:rPr lang="en-US" altLang="ko-KR" sz="2000" dirty="0">
+                <a:latin typeface="더잠실 OTF 5 Bold" panose="00000800000000000000" pitchFamily="50" charset="-127"/>
+                <a:ea typeface="더잠실 OTF 5 Bold" panose="00000800000000000000" pitchFamily="50" charset="-127"/>
+              </a:rPr>
+              <a:t>2. </a:t>
+            </a:r>
+            <a:r>
+              <a:rPr lang="ko-KR" altLang="en-US" sz="2000" dirty="0">
+                <a:latin typeface="더잠실 OTF 5 Bold" panose="00000800000000000000" pitchFamily="50" charset="-127"/>
+                <a:ea typeface="더잠실 OTF 5 Bold" panose="00000800000000000000" pitchFamily="50" charset="-127"/>
+              </a:rPr>
+              <a:t>주요 기능 </a:t>
+            </a:r>
+            <a:r>
+              <a:rPr lang="en-US" altLang="ko-KR" sz="2000" dirty="0">
+                <a:latin typeface="더잠실 OTF 5 Bold" panose="00000800000000000000" pitchFamily="50" charset="-127"/>
+                <a:ea typeface="더잠실 OTF 5 Bold" panose="00000800000000000000" pitchFamily="50" charset="-127"/>
+              </a:rPr>
+              <a:t>  </a:t>
+            </a:r>
+            <a:endParaRPr lang="ko-KR" altLang="en-US" sz="2000" dirty="0">
+              <a:latin typeface="더잠실 OTF 5 Bold" panose="00000800000000000000" pitchFamily="50" charset="-127"/>
+              <a:ea typeface="더잠실 OTF 5 Bold" panose="00000800000000000000" pitchFamily="50" charset="-127"/>
+            </a:endParaRPr>
+          </a:p>
+        </p:txBody>
+      </p:sp>
+      <p:sp>
+        <p:nvSpPr>
+          <p:cNvPr id="22" name="TextBox 21">
+            <a:extLst>
+              <a:ext uri="{FF2B5EF4-FFF2-40B4-BE49-F238E27FC236}">
+                <a16:creationId xmlns:a16="http://schemas.microsoft.com/office/drawing/2014/main" id="{B87E1389-2A8B-DFBB-E297-7F6DF64F9C46}"/>
+              </a:ext>
+            </a:extLst>
+          </p:cNvPr>
+          <p:cNvSpPr txBox="1"/>
+          <p:nvPr/>
+        </p:nvSpPr>
+        <p:spPr>
+          <a:xfrm>
+            <a:off x="1384993" y="5018502"/>
+            <a:ext cx="7306322" cy="369332"/>
+          </a:xfrm>
+          <a:prstGeom prst="rect">
+            <a:avLst/>
+          </a:prstGeom>
+          <a:noFill/>
+        </p:spPr>
+        <p:txBody>
+          <a:bodyPr wrap="square" rtlCol="0">
+            <a:spAutoFit/>
+          </a:bodyPr>
+          <a:lstStyle/>
           <a:p>
             <a:pPr marL="285750" indent="-285750">
               <a:buFont typeface="Arial" panose="020B0604020202020204" pitchFamily="34" charset="0"/>
               <a:buChar char="•"/>
             </a:pPr>
-            <a:endParaRPr lang="ko-KR" altLang="en-US" dirty="0"/>
-          </a:p>
-        </p:txBody>
-      </p:sp>
-      <p:sp>
-        <p:nvSpPr>
-          <p:cNvPr id="19" name="TextBox 18">
-            <a:extLst>
-              <a:ext uri="{FF2B5EF4-FFF2-40B4-BE49-F238E27FC236}">
-                <a16:creationId xmlns:a16="http://schemas.microsoft.com/office/drawing/2014/main" id="{78CFC85E-3DE9-D5DA-E4DF-68E385C23403}"/>
-              </a:ext>
-            </a:extLst>
-          </p:cNvPr>
-          <p:cNvSpPr txBox="1"/>
-          <p:nvPr/>
-        </p:nvSpPr>
-        <p:spPr>
-          <a:xfrm>
-            <a:off x="1615816" y="3380477"/>
-            <a:ext cx="6906827" cy="923330"/>
-          </a:xfrm>
-          <a:prstGeom prst="rect">
-            <a:avLst/>
-          </a:prstGeom>
-          <a:noFill/>
-        </p:spPr>
-        <p:txBody>
-          <a:bodyPr wrap="square" rtlCol="0">
-            <a:spAutoFit/>
-          </a:bodyPr>
-          <a:lstStyle/>
-          <a:p>
-            <a:r>
-              <a:rPr lang="ko-KR" altLang="en-US" dirty="0"/>
-              <a:t>개발하는 과정을 경험하고자  이 프로그램을 제작 하기로 함</a:t>
-            </a:r>
-            <a:r>
-              <a:rPr lang="en-US" altLang="ko-KR" dirty="0"/>
-              <a:t> </a:t>
-            </a:r>
-          </a:p>
-          <a:p>
-            <a:endParaRPr lang="en-US" altLang="ko-KR" dirty="0"/>
-          </a:p>
-          <a:p>
-            <a:endParaRPr lang="ko-KR" altLang="en-US" dirty="0"/>
-          </a:p>
-        </p:txBody>
-      </p:sp>
-      <p:sp>
-        <p:nvSpPr>
-          <p:cNvPr id="20" name="TextBox 19">
-            <a:extLst>
-              <a:ext uri="{FF2B5EF4-FFF2-40B4-BE49-F238E27FC236}">
-                <a16:creationId xmlns:a16="http://schemas.microsoft.com/office/drawing/2014/main" id="{4040872D-92A2-354A-C731-FA221F7BBC61}"/>
-              </a:ext>
-            </a:extLst>
-          </p:cNvPr>
-          <p:cNvSpPr txBox="1"/>
-          <p:nvPr/>
-        </p:nvSpPr>
-        <p:spPr>
-          <a:xfrm>
-            <a:off x="1163052" y="2350641"/>
-            <a:ext cx="2805344" cy="369332"/>
-          </a:xfrm>
-          <a:prstGeom prst="rect">
-            <a:avLst/>
-          </a:prstGeom>
-          <a:noFill/>
-        </p:spPr>
-        <p:txBody>
-          <a:bodyPr wrap="square" rtlCol="0">
-            <a:spAutoFit/>
-          </a:bodyPr>
-          <a:lstStyle/>
-          <a:p>
-            <a:r>
-              <a:rPr lang="en-US" altLang="ko-KR" dirty="0"/>
-              <a:t>1. </a:t>
-            </a:r>
-            <a:r>
-              <a:rPr lang="ko-KR" altLang="en-US" dirty="0"/>
-              <a:t>개발 의도 </a:t>
-            </a:r>
-          </a:p>
-        </p:txBody>
-      </p:sp>
-      <p:sp>
-        <p:nvSpPr>
-          <p:cNvPr id="21" name="TextBox 20">
-            <a:extLst>
-              <a:ext uri="{FF2B5EF4-FFF2-40B4-BE49-F238E27FC236}">
-                <a16:creationId xmlns:a16="http://schemas.microsoft.com/office/drawing/2014/main" id="{58066081-58FE-2A55-12D0-33492E53E0D5}"/>
-              </a:ext>
-            </a:extLst>
-          </p:cNvPr>
-          <p:cNvSpPr txBox="1"/>
-          <p:nvPr/>
-        </p:nvSpPr>
-        <p:spPr>
-          <a:xfrm>
-            <a:off x="1163052" y="4430322"/>
-            <a:ext cx="1724058" cy="369332"/>
-          </a:xfrm>
-          <a:prstGeom prst="rect">
-            <a:avLst/>
-          </a:prstGeom>
-          <a:noFill/>
-        </p:spPr>
-        <p:txBody>
-          <a:bodyPr wrap="square" rtlCol="0">
-            <a:spAutoFit/>
-          </a:bodyPr>
-          <a:lstStyle/>
-          <a:p>
-            <a:r>
-              <a:rPr lang="en-US" altLang="ko-KR" dirty="0"/>
-              <a:t>2. </a:t>
-            </a:r>
-            <a:r>
-              <a:rPr lang="ko-KR" altLang="en-US" dirty="0"/>
-              <a:t>주요 기능 </a:t>
-            </a:r>
-            <a:r>
-              <a:rPr lang="en-US" altLang="ko-KR" dirty="0"/>
-              <a:t>  </a:t>
-            </a:r>
-            <a:endParaRPr lang="ko-KR" altLang="en-US" dirty="0"/>
-          </a:p>
-        </p:txBody>
-      </p:sp>
-      <p:sp>
-        <p:nvSpPr>
-          <p:cNvPr id="22" name="TextBox 21">
-            <a:extLst>
-              <a:ext uri="{FF2B5EF4-FFF2-40B4-BE49-F238E27FC236}">
-                <a16:creationId xmlns:a16="http://schemas.microsoft.com/office/drawing/2014/main" id="{B87E1389-2A8B-DFBB-E297-7F6DF64F9C46}"/>
-              </a:ext>
-            </a:extLst>
-          </p:cNvPr>
-          <p:cNvSpPr txBox="1"/>
-          <p:nvPr/>
-        </p:nvSpPr>
-        <p:spPr>
-          <a:xfrm>
-            <a:off x="1384993" y="5018502"/>
-            <a:ext cx="7306322" cy="369332"/>
-          </a:xfrm>
-          <a:prstGeom prst="rect">
-            <a:avLst/>
-          </a:prstGeom>
-          <a:noFill/>
-        </p:spPr>
-        <p:txBody>
-          <a:bodyPr wrap="square" rtlCol="0">
-            <a:spAutoFit/>
-          </a:bodyPr>
-          <a:lstStyle/>
-          <a:p>
-            <a:pPr marL="285750" indent="-285750">
-              <a:buFont typeface="Arial" panose="020B0604020202020204" pitchFamily="34" charset="0"/>
-              <a:buChar char="•"/>
-            </a:pPr>
-            <a:r>
-              <a:rPr lang="ko-KR" altLang="en-US" dirty="0"/>
+            <a:r>
+              <a:rPr lang="ko-KR" altLang="en-US" dirty="0">
+                <a:latin typeface="더잠실 OTF 5 Bold" panose="00000800000000000000" pitchFamily="50" charset="-127"/>
+                <a:ea typeface="더잠실 OTF 5 Bold" panose="00000800000000000000" pitchFamily="50" charset="-127"/>
+              </a:rPr>
               <a:t>출입 차량 번호 조회 및 요금 정산 </a:t>
             </a:r>
           </a:p>
@@ -7039,6 +7307,8 @@
                 <a:solidFill>
                   <a:schemeClr val="accent1"/>
                 </a:solidFill>
+                <a:latin typeface="더잠실 OTF 5 Bold" panose="00000800000000000000" pitchFamily="50" charset="-127"/>
+                <a:ea typeface="더잠실 OTF 5 Bold" panose="00000800000000000000" pitchFamily="50" charset="-127"/>
               </a:rPr>
               <a:t> </a:t>
             </a:r>
@@ -7115,12 +7385,18 @@
           <a:lstStyle/>
           <a:p>
             <a:r>
-              <a:rPr lang="ko-KR" altLang="en-US" dirty="0"/>
+              <a:rPr lang="ko-KR" altLang="en-US" dirty="0">
+                <a:latin typeface="더잠실 OTF 5 Bold" panose="00000800000000000000" pitchFamily="50" charset="-127"/>
+                <a:ea typeface="더잠실 OTF 5 Bold" panose="00000800000000000000" pitchFamily="50" charset="-127"/>
+              </a:rPr>
               <a:t> </a:t>
             </a:r>
           </a:p>
           <a:p>
-            <a:endParaRPr lang="ko-KR" altLang="en-US" dirty="0"/>
+            <a:endParaRPr lang="ko-KR" altLang="en-US" dirty="0">
+              <a:latin typeface="더잠실 OTF 5 Bold" panose="00000800000000000000" pitchFamily="50" charset="-127"/>
+              <a:ea typeface="더잠실 OTF 5 Bold" panose="00000800000000000000" pitchFamily="50" charset="-127"/>
+            </a:endParaRPr>
           </a:p>
         </p:txBody>
       </p:sp>
@@ -7159,8 +7435,8 @@
                     <a:lumMod val="50000"/>
                   </a:schemeClr>
                 </a:solidFill>
-                <a:latin typeface="+mj-ea"/>
-                <a:ea typeface="+mj-ea"/>
+                <a:latin typeface="더잠실 OTF 5 Bold" panose="00000800000000000000" pitchFamily="50" charset="-127"/>
+                <a:ea typeface="더잠실 OTF 5 Bold" panose="00000800000000000000" pitchFamily="50" charset="-127"/>
               </a:rPr>
               <a:t>1. </a:t>
             </a:r>
@@ -7171,8 +7447,8 @@
                     <a:lumMod val="50000"/>
                   </a:schemeClr>
                 </a:solidFill>
-                <a:latin typeface="+mj-ea"/>
-                <a:ea typeface="+mj-ea"/>
+                <a:latin typeface="더잠실 OTF 5 Bold" panose="00000800000000000000" pitchFamily="50" charset="-127"/>
+                <a:ea typeface="더잠실 OTF 5 Bold" panose="00000800000000000000" pitchFamily="50" charset="-127"/>
               </a:rPr>
               <a:t>프로젝트</a:t>
             </a:r>
@@ -7183,8 +7459,8 @@
                     <a:lumMod val="50000"/>
                   </a:schemeClr>
                 </a:solidFill>
-                <a:latin typeface="+mj-ea"/>
-                <a:ea typeface="+mj-ea"/>
+                <a:latin typeface="더잠실 OTF 5 Bold" panose="00000800000000000000" pitchFamily="50" charset="-127"/>
+                <a:ea typeface="더잠실 OTF 5 Bold" panose="00000800000000000000" pitchFamily="50" charset="-127"/>
               </a:rPr>
               <a:t> </a:t>
             </a:r>
@@ -7195,12 +7471,15 @@
                     <a:lumMod val="50000"/>
                   </a:schemeClr>
                 </a:solidFill>
-                <a:latin typeface="+mj-ea"/>
-                <a:ea typeface="+mj-ea"/>
+                <a:latin typeface="더잠실 OTF 5 Bold" panose="00000800000000000000" pitchFamily="50" charset="-127"/>
+                <a:ea typeface="더잠실 OTF 5 Bold" panose="00000800000000000000" pitchFamily="50" charset="-127"/>
               </a:rPr>
               <a:t>개요 </a:t>
             </a:r>
-            <a:endParaRPr lang="ko-KR" altLang="en-US" sz="4800" dirty="0"/>
+            <a:endParaRPr lang="ko-KR" altLang="en-US" sz="4800" dirty="0">
+              <a:latin typeface="더잠실 OTF 5 Bold" panose="00000800000000000000" pitchFamily="50" charset="-127"/>
+              <a:ea typeface="더잠실 OTF 5 Bold" panose="00000800000000000000" pitchFamily="50" charset="-127"/>
+            </a:endParaRPr>
           </a:p>
         </p:txBody>
       </p:sp>
@@ -7263,7 +7542,10 @@
           <a:lstStyle/>
           <a:p>
             <a:pPr algn="ctr"/>
-            <a:endParaRPr lang="ko-KR" altLang="en-US" dirty="0"/>
+            <a:endParaRPr lang="ko-KR" altLang="en-US" dirty="0">
+              <a:latin typeface="더잠실 OTF 5 Bold" panose="00000800000000000000" pitchFamily="50" charset="-127"/>
+              <a:ea typeface="더잠실 OTF 5 Bold" panose="00000800000000000000" pitchFamily="50" charset="-127"/>
+            </a:endParaRPr>
           </a:p>
         </p:txBody>
       </p:sp>
@@ -7326,7 +7608,10 @@
           <a:lstStyle/>
           <a:p>
             <a:pPr algn="ctr"/>
-            <a:endParaRPr lang="ko-KR" altLang="en-US" dirty="0"/>
+            <a:endParaRPr lang="ko-KR" altLang="en-US" dirty="0">
+              <a:latin typeface="더잠실 OTF 5 Bold" panose="00000800000000000000" pitchFamily="50" charset="-127"/>
+              <a:ea typeface="더잠실 OTF 5 Bold" panose="00000800000000000000" pitchFamily="50" charset="-127"/>
+            </a:endParaRPr>
           </a:p>
         </p:txBody>
       </p:sp>
@@ -7389,7 +7674,10 @@
           <a:lstStyle/>
           <a:p>
             <a:pPr algn="ctr"/>
-            <a:endParaRPr lang="ko-KR" altLang="en-US" dirty="0"/>
+            <a:endParaRPr lang="ko-KR" altLang="en-US" dirty="0">
+              <a:latin typeface="더잠실 OTF 5 Bold" panose="00000800000000000000" pitchFamily="50" charset="-127"/>
+              <a:ea typeface="더잠실 OTF 5 Bold" panose="00000800000000000000" pitchFamily="50" charset="-127"/>
+            </a:endParaRPr>
           </a:p>
         </p:txBody>
       </p:sp>
@@ -7429,6 +7717,8 @@
                     <a:lumMod val="50000"/>
                   </a:schemeClr>
                 </a:solidFill>
+                <a:latin typeface="더잠실 OTF 5 Bold" panose="00000800000000000000" pitchFamily="50" charset="-127"/>
+                <a:ea typeface="더잠실 OTF 5 Bold" panose="00000800000000000000" pitchFamily="50" charset="-127"/>
               </a:rPr>
               <a:t>팀장 </a:t>
             </a:r>
@@ -7438,6 +7728,8 @@
                   <a:lumMod val="50000"/>
                 </a:schemeClr>
               </a:solidFill>
+              <a:latin typeface="더잠실 OTF 5 Bold" panose="00000800000000000000" pitchFamily="50" charset="-127"/>
+              <a:ea typeface="더잠실 OTF 5 Bold" panose="00000800000000000000" pitchFamily="50" charset="-127"/>
             </a:endParaRPr>
           </a:p>
           <a:p>
@@ -7449,6 +7741,8 @@
                     <a:lumMod val="50000"/>
                   </a:schemeClr>
                 </a:solidFill>
+                <a:latin typeface="더잠실 OTF 5 Bold" panose="00000800000000000000" pitchFamily="50" charset="-127"/>
+                <a:ea typeface="더잠실 OTF 5 Bold" panose="00000800000000000000" pitchFamily="50" charset="-127"/>
               </a:rPr>
               <a:t>백정윤</a:t>
             </a:r>
@@ -7469,8 +7763,8 @@
         </p:nvSpPr>
         <p:spPr>
           <a:xfrm>
-            <a:off x="849945" y="3455453"/>
-            <a:ext cx="2566759" cy="954107"/>
+            <a:off x="801753" y="3618286"/>
+            <a:ext cx="2683916" cy="847796"/>
           </a:xfrm>
           <a:prstGeom prst="rect">
             <a:avLst/>
@@ -7483,7 +7777,7 @@
           </a:bodyPr>
           <a:lstStyle/>
           <a:p>
-            <a:pPr marL="342900" indent="-342900" algn="ctr">
+            <a:pPr marL="342900" indent="-342900">
               <a:buFont typeface="Arial" panose="020B0604020202020204" pitchFamily="34" charset="0"/>
               <a:buChar char="•"/>
             </a:pPr>
@@ -7494,8 +7788,34 @@
                     <a:lumMod val="50000"/>
                   </a:schemeClr>
                 </a:solidFill>
+                <a:latin typeface="더잠실 OTF 5 Bold" panose="00000800000000000000" pitchFamily="50" charset="-127"/>
+                <a:ea typeface="더잠실 OTF 5 Bold" panose="00000800000000000000" pitchFamily="50" charset="-127"/>
               </a:rPr>
               <a:t>프로그램 설계 및</a:t>
+            </a:r>
+            <a:r>
+              <a:rPr lang="en-US" altLang="ko-KR" dirty="0">
+                <a:solidFill>
+                  <a:schemeClr val="accent1">
+                    <a:lumMod val="50000"/>
+                  </a:schemeClr>
+                </a:solidFill>
+                <a:latin typeface="더잠실 OTF 5 Bold" panose="00000800000000000000" pitchFamily="50" charset="-127"/>
+                <a:ea typeface="더잠실 OTF 5 Bold" panose="00000800000000000000" pitchFamily="50" charset="-127"/>
+              </a:rPr>
+              <a:t> </a:t>
+            </a:r>
+            <a:r>
+              <a:rPr lang="ko-KR" altLang="en-US" dirty="0">
+                <a:solidFill>
+                  <a:schemeClr val="accent1">
+                    <a:lumMod val="50000"/>
+                  </a:schemeClr>
+                </a:solidFill>
+                <a:latin typeface="더잠실 OTF 5 Bold" panose="00000800000000000000" pitchFamily="50" charset="-127"/>
+                <a:ea typeface="더잠실 OTF 5 Bold" panose="00000800000000000000" pitchFamily="50" charset="-127"/>
+              </a:rPr>
+              <a:t>구현</a:t>
             </a:r>
             <a:endParaRPr lang="en-US" altLang="ko-KR" dirty="0">
               <a:solidFill>
@@ -7503,10 +7823,18 @@
                   <a:lumMod val="50000"/>
                 </a:schemeClr>
               </a:solidFill>
+              <a:latin typeface="더잠실 OTF 5 Bold" panose="00000800000000000000" pitchFamily="50" charset="-127"/>
+              <a:ea typeface="더잠실 OTF 5 Bold" panose="00000800000000000000" pitchFamily="50" charset="-127"/>
             </a:endParaRPr>
           </a:p>
           <a:p>
-            <a:pPr algn="ctr"/>
+            <a:pPr marL="342900" indent="-342900">
+              <a:lnSpc>
+                <a:spcPct val="200000"/>
+              </a:lnSpc>
+              <a:buFont typeface="Arial" panose="020B0604020202020204" pitchFamily="34" charset="0"/>
+              <a:buChar char="•"/>
+            </a:pPr>
             <a:r>
               <a:rPr lang="ko-KR" altLang="en-US" dirty="0">
                 <a:solidFill>
@@ -7514,8 +7842,10 @@
                     <a:lumMod val="50000"/>
                   </a:schemeClr>
                 </a:solidFill>
-              </a:rPr>
-              <a:t>구현  </a:t>
+                <a:latin typeface="더잠실 OTF 5 Bold" panose="00000800000000000000" pitchFamily="50" charset="-127"/>
+                <a:ea typeface="더잠실 OTF 5 Bold" panose="00000800000000000000" pitchFamily="50" charset="-127"/>
+              </a:rPr>
+              <a:t>발표 자료 준비</a:t>
             </a:r>
             <a:endParaRPr lang="en-US" altLang="ko-KR" dirty="0">
               <a:solidFill>
@@ -7523,29 +7853,18 @@
                   <a:lumMod val="50000"/>
                 </a:schemeClr>
               </a:solidFill>
+              <a:latin typeface="더잠실 OTF 5 Bold" panose="00000800000000000000" pitchFamily="50" charset="-127"/>
+              <a:ea typeface="더잠실 OTF 5 Bold" panose="00000800000000000000" pitchFamily="50" charset="-127"/>
             </a:endParaRPr>
           </a:p>
-          <a:p>
-            <a:pPr marL="342900" indent="-342900">
-              <a:buFont typeface="Arial" panose="020B0604020202020204" pitchFamily="34" charset="0"/>
-              <a:buChar char="•"/>
-            </a:pPr>
-            <a:endParaRPr lang="ko-KR" altLang="en-US" sz="2000" b="1" dirty="0">
-              <a:solidFill>
-                <a:schemeClr val="accent1">
-                  <a:lumMod val="50000"/>
-                </a:schemeClr>
-              </a:solidFill>
-            </a:endParaRPr>
-          </a:p>
-        </p:txBody>
-      </p:sp>
-      <p:sp>
-        <p:nvSpPr>
-          <p:cNvPr id="13" name="TextBox 12">
-            <a:extLst>
-              <a:ext uri="{FF2B5EF4-FFF2-40B4-BE49-F238E27FC236}">
-                <a16:creationId xmlns:a16="http://schemas.microsoft.com/office/drawing/2014/main" id="{737582A6-35C0-473F-59BC-8C6092234C43}"/>
+        </p:txBody>
+      </p:sp>
+      <p:sp>
+        <p:nvSpPr>
+          <p:cNvPr id="14" name="TextBox 13">
+            <a:extLst>
+              <a:ext uri="{FF2B5EF4-FFF2-40B4-BE49-F238E27FC236}">
+                <a16:creationId xmlns:a16="http://schemas.microsoft.com/office/drawing/2014/main" id="{DF6D024C-5FDA-EFE6-26A6-5F1019ED0444}"/>
               </a:ext>
             </a:extLst>
           </p:cNvPr>
@@ -7554,8 +7873,8 @@
         </p:nvSpPr>
         <p:spPr>
           <a:xfrm>
-            <a:off x="1022288" y="4268222"/>
-            <a:ext cx="2222074" cy="369332"/>
+            <a:off x="5410275" y="2739180"/>
+            <a:ext cx="1585762" cy="707886"/>
           </a:xfrm>
           <a:prstGeom prst="rect">
             <a:avLst/>
@@ -7568,59 +7887,16 @@
           </a:bodyPr>
           <a:lstStyle/>
           <a:p>
-            <a:pPr marL="285750" indent="-285750">
-              <a:buFont typeface="Arial" panose="020B0604020202020204" pitchFamily="34" charset="0"/>
-              <a:buChar char="•"/>
-            </a:pPr>
-            <a:r>
-              <a:rPr lang="ko-KR" altLang="en-US" dirty="0">
+            <a:pPr algn="ctr"/>
+            <a:r>
+              <a:rPr lang="ko-KR" altLang="en-US" sz="2000" b="1" dirty="0">
                 <a:solidFill>
                   <a:schemeClr val="accent1">
                     <a:lumMod val="50000"/>
                   </a:schemeClr>
                 </a:solidFill>
-              </a:rPr>
-              <a:t> 발표 자료 준비 </a:t>
-            </a:r>
-          </a:p>
-        </p:txBody>
-      </p:sp>
-      <p:sp>
-        <p:nvSpPr>
-          <p:cNvPr id="14" name="TextBox 13">
-            <a:extLst>
-              <a:ext uri="{FF2B5EF4-FFF2-40B4-BE49-F238E27FC236}">
-                <a16:creationId xmlns:a16="http://schemas.microsoft.com/office/drawing/2014/main" id="{DF6D024C-5FDA-EFE6-26A6-5F1019ED0444}"/>
-              </a:ext>
-            </a:extLst>
-          </p:cNvPr>
-          <p:cNvSpPr txBox="1"/>
-          <p:nvPr/>
-        </p:nvSpPr>
-        <p:spPr>
-          <a:xfrm>
-            <a:off x="5410275" y="2739180"/>
-            <a:ext cx="1585762" cy="707886"/>
-          </a:xfrm>
-          <a:prstGeom prst="rect">
-            <a:avLst/>
-          </a:prstGeom>
-          <a:noFill/>
-        </p:spPr>
-        <p:txBody>
-          <a:bodyPr wrap="square" rtlCol="0">
-            <a:spAutoFit/>
-          </a:bodyPr>
-          <a:lstStyle/>
-          <a:p>
-            <a:pPr algn="ctr"/>
-            <a:r>
-              <a:rPr lang="ko-KR" altLang="en-US" sz="2000" b="1" dirty="0">
-                <a:solidFill>
-                  <a:schemeClr val="accent1">
-                    <a:lumMod val="50000"/>
-                  </a:schemeClr>
-                </a:solidFill>
+                <a:latin typeface="더잠실 OTF 5 Bold" panose="00000800000000000000" pitchFamily="50" charset="-127"/>
+                <a:ea typeface="더잠실 OTF 5 Bold" panose="00000800000000000000" pitchFamily="50" charset="-127"/>
               </a:rPr>
               <a:t>팀원 </a:t>
             </a:r>
@@ -7630,6 +7906,8 @@
                   <a:lumMod val="50000"/>
                 </a:schemeClr>
               </a:solidFill>
+              <a:latin typeface="더잠실 OTF 5 Bold" panose="00000800000000000000" pitchFamily="50" charset="-127"/>
+              <a:ea typeface="더잠실 OTF 5 Bold" panose="00000800000000000000" pitchFamily="50" charset="-127"/>
             </a:endParaRPr>
           </a:p>
           <a:p>
@@ -7641,6 +7919,8 @@
                     <a:lumMod val="50000"/>
                   </a:schemeClr>
                 </a:solidFill>
+                <a:latin typeface="더잠실 OTF 5 Bold" panose="00000800000000000000" pitchFamily="50" charset="-127"/>
+                <a:ea typeface="더잠실 OTF 5 Bold" panose="00000800000000000000" pitchFamily="50" charset="-127"/>
               </a:rPr>
               <a:t>신예원</a:t>
             </a:r>
@@ -7661,8 +7941,8 @@
         </p:nvSpPr>
         <p:spPr>
           <a:xfrm>
-            <a:off x="4999566" y="3455453"/>
-            <a:ext cx="2349624" cy="646331"/>
+            <a:off x="4921904" y="3618286"/>
+            <a:ext cx="2646228" cy="847796"/>
           </a:xfrm>
           <a:prstGeom prst="rect">
             <a:avLst/>
@@ -7675,7 +7955,7 @@
           </a:bodyPr>
           <a:lstStyle/>
           <a:p>
-            <a:pPr marL="342900" indent="-342900" algn="ctr">
+            <a:pPr marL="342900" indent="-342900">
               <a:buFont typeface="Arial" panose="020B0604020202020204" pitchFamily="34" charset="0"/>
               <a:buChar char="•"/>
             </a:pPr>
@@ -7686,55 +7966,107 @@
                     <a:lumMod val="50000"/>
                   </a:schemeClr>
                 </a:solidFill>
+                <a:latin typeface="더잠실 OTF 5 Bold" panose="00000800000000000000" pitchFamily="50" charset="-127"/>
+                <a:ea typeface="더잠실 OTF 5 Bold" panose="00000800000000000000" pitchFamily="50" charset="-127"/>
               </a:rPr>
               <a:t>프로그램 설계 </a:t>
             </a:r>
             <a:r>
-              <a:rPr lang="ko-KR" altLang="en-US" dirty="0" smtClean="0">
+              <a:rPr lang="en-US" altLang="ko-KR" dirty="0">
                 <a:solidFill>
                   <a:schemeClr val="accent1">
                     <a:lumMod val="50000"/>
                   </a:schemeClr>
                 </a:solidFill>
-              </a:rPr>
-              <a:t>및</a:t>
-            </a:r>
-            <a:r>
-              <a:rPr lang="en-US" altLang="ko-KR" dirty="0" smtClean="0">
+                <a:latin typeface="더잠실 OTF 5 Bold" panose="00000800000000000000" pitchFamily="50" charset="-127"/>
+                <a:ea typeface="더잠실 OTF 5 Bold" panose="00000800000000000000" pitchFamily="50" charset="-127"/>
+              </a:rPr>
+              <a:t> </a:t>
+            </a:r>
+            <a:r>
+              <a:rPr lang="ko-KR" altLang="en-US" dirty="0">
                 <a:solidFill>
                   <a:schemeClr val="accent1">
                     <a:lumMod val="50000"/>
                   </a:schemeClr>
                 </a:solidFill>
-              </a:rPr>
-              <a:t> </a:t>
-            </a:r>
-            <a:r>
-              <a:rPr lang="ko-KR" altLang="en-US" dirty="0" smtClean="0">
+                <a:latin typeface="더잠실 OTF 5 Bold" panose="00000800000000000000" pitchFamily="50" charset="-127"/>
+                <a:ea typeface="더잠실 OTF 5 Bold" panose="00000800000000000000" pitchFamily="50" charset="-127"/>
+              </a:rPr>
+              <a:t>및</a:t>
+            </a:r>
+            <a:r>
+              <a:rPr lang="en-US" altLang="ko-KR" dirty="0">
                 <a:solidFill>
                   <a:schemeClr val="accent1">
                     <a:lumMod val="50000"/>
                   </a:schemeClr>
                 </a:solidFill>
+                <a:latin typeface="더잠실 OTF 5 Bold" panose="00000800000000000000" pitchFamily="50" charset="-127"/>
+                <a:ea typeface="더잠실 OTF 5 Bold" panose="00000800000000000000" pitchFamily="50" charset="-127"/>
+              </a:rPr>
+              <a:t> </a:t>
+            </a:r>
+            <a:r>
+              <a:rPr lang="ko-KR" altLang="en-US" dirty="0">
+                <a:solidFill>
+                  <a:schemeClr val="accent1">
+                    <a:lumMod val="50000"/>
+                  </a:schemeClr>
+                </a:solidFill>
+                <a:latin typeface="더잠실 OTF 5 Bold" panose="00000800000000000000" pitchFamily="50" charset="-127"/>
+                <a:ea typeface="더잠실 OTF 5 Bold" panose="00000800000000000000" pitchFamily="50" charset="-127"/>
               </a:rPr>
               <a:t>구현</a:t>
             </a:r>
-            <a:endParaRPr lang="ko-KR" altLang="en-US" dirty="0">
+            <a:endParaRPr lang="en-US" altLang="ko-KR" dirty="0">
               <a:solidFill>
                 <a:schemeClr val="accent1">
                   <a:lumMod val="50000"/>
                 </a:schemeClr>
               </a:solidFill>
+              <a:latin typeface="더잠실 OTF 5 Bold" panose="00000800000000000000" pitchFamily="50" charset="-127"/>
+              <a:ea typeface="더잠실 OTF 5 Bold" panose="00000800000000000000" pitchFamily="50" charset="-127"/>
             </a:endParaRPr>
           </a:p>
-        </p:txBody>
-      </p:sp>
-      <p:sp>
-        <p:nvSpPr>
-          <p:cNvPr id="16" name="TextBox 15">
-            <a:extLst>
-              <a:ext uri="{FF2B5EF4-FFF2-40B4-BE49-F238E27FC236}">
-                <a16:creationId xmlns:a16="http://schemas.microsoft.com/office/drawing/2014/main" id="{428D1713-41D6-F510-305F-1BDC4538B536}"/>
+          <a:p>
+            <a:pPr marL="342900" indent="-342900">
+              <a:lnSpc>
+                <a:spcPct val="200000"/>
+              </a:lnSpc>
+              <a:buFont typeface="Arial" panose="020B0604020202020204" pitchFamily="34" charset="0"/>
+              <a:buChar char="•"/>
+            </a:pPr>
+            <a:r>
+              <a:rPr lang="ko-KR" altLang="en-US" dirty="0">
+                <a:solidFill>
+                  <a:schemeClr val="accent1">
+                    <a:lumMod val="50000"/>
+                  </a:schemeClr>
+                </a:solidFill>
+                <a:latin typeface="더잠실 OTF 5 Bold" panose="00000800000000000000" pitchFamily="50" charset="-127"/>
+                <a:ea typeface="더잠실 OTF 5 Bold" panose="00000800000000000000" pitchFamily="50" charset="-127"/>
+              </a:rPr>
+              <a:t>프로그램 오류 수정</a:t>
+            </a:r>
+            <a:endParaRPr lang="en-US" altLang="ko-KR" dirty="0">
+              <a:solidFill>
+                <a:schemeClr val="accent1">
+                  <a:lumMod val="50000"/>
+                </a:schemeClr>
+              </a:solidFill>
+              <a:latin typeface="더잠실 OTF 5 Bold" panose="00000800000000000000" pitchFamily="50" charset="-127"/>
+              <a:ea typeface="더잠실 OTF 5 Bold" panose="00000800000000000000" pitchFamily="50" charset="-127"/>
+            </a:endParaRPr>
+          </a:p>
+        </p:txBody>
+      </p:sp>
+      <p:sp>
+        <p:nvSpPr>
+          <p:cNvPr id="23" name="TextBox 22">
+            <a:extLst>
+              <a:ext uri="{FF2B5EF4-FFF2-40B4-BE49-F238E27FC236}">
+                <a16:creationId xmlns:a16="http://schemas.microsoft.com/office/drawing/2014/main" id="{1B888896-D6C7-1C43-5366-F00BB6D667B4}"/>
               </a:ext>
             </a:extLst>
           </p:cNvPr>
@@ -7743,8 +8075,8 @@
         </p:nvSpPr>
         <p:spPr>
           <a:xfrm>
-            <a:off x="5001174" y="4271975"/>
-            <a:ext cx="2636040" cy="369332"/>
+            <a:off x="9378544" y="2697576"/>
+            <a:ext cx="1585762" cy="707886"/>
           </a:xfrm>
           <a:prstGeom prst="rect">
             <a:avLst/>
@@ -7757,69 +8089,16 @@
           </a:bodyPr>
           <a:lstStyle/>
           <a:p>
-            <a:pPr marL="285750" indent="-285750">
-              <a:buFont typeface="Arial" panose="020B0604020202020204" pitchFamily="34" charset="0"/>
-              <a:buChar char="•"/>
-            </a:pPr>
-            <a:r>
-              <a:rPr lang="ko-KR" altLang="en-US" dirty="0" smtClean="0">
+            <a:pPr algn="ctr"/>
+            <a:r>
+              <a:rPr lang="ko-KR" altLang="en-US" sz="2000" b="1" dirty="0">
                 <a:solidFill>
                   <a:schemeClr val="accent1">
                     <a:lumMod val="50000"/>
                   </a:schemeClr>
                 </a:solidFill>
-              </a:rPr>
-              <a:t>프로그램 </a:t>
-            </a:r>
-            <a:r>
-              <a:rPr lang="ko-KR" altLang="en-US" dirty="0">
-                <a:solidFill>
-                  <a:schemeClr val="accent1">
-                    <a:lumMod val="50000"/>
-                  </a:schemeClr>
-                </a:solidFill>
-              </a:rPr>
-              <a:t>오류 수정</a:t>
-            </a:r>
-          </a:p>
-        </p:txBody>
-      </p:sp>
-      <p:sp>
-        <p:nvSpPr>
-          <p:cNvPr id="23" name="TextBox 22">
-            <a:extLst>
-              <a:ext uri="{FF2B5EF4-FFF2-40B4-BE49-F238E27FC236}">
-                <a16:creationId xmlns:a16="http://schemas.microsoft.com/office/drawing/2014/main" id="{1B888896-D6C7-1C43-5366-F00BB6D667B4}"/>
-              </a:ext>
-            </a:extLst>
-          </p:cNvPr>
-          <p:cNvSpPr txBox="1"/>
-          <p:nvPr/>
-        </p:nvSpPr>
-        <p:spPr>
-          <a:xfrm>
-            <a:off x="9378544" y="2697576"/>
-            <a:ext cx="1585762" cy="707886"/>
-          </a:xfrm>
-          <a:prstGeom prst="rect">
-            <a:avLst/>
-          </a:prstGeom>
-          <a:noFill/>
-        </p:spPr>
-        <p:txBody>
-          <a:bodyPr wrap="square" rtlCol="0">
-            <a:spAutoFit/>
-          </a:bodyPr>
-          <a:lstStyle/>
-          <a:p>
-            <a:pPr algn="ctr"/>
-            <a:r>
-              <a:rPr lang="ko-KR" altLang="en-US" sz="2000" b="1" dirty="0">
-                <a:solidFill>
-                  <a:schemeClr val="accent1">
-                    <a:lumMod val="50000"/>
-                  </a:schemeClr>
-                </a:solidFill>
+                <a:latin typeface="더잠실 OTF 5 Bold" panose="00000800000000000000" pitchFamily="50" charset="-127"/>
+                <a:ea typeface="더잠실 OTF 5 Bold" panose="00000800000000000000" pitchFamily="50" charset="-127"/>
               </a:rPr>
               <a:t>팀원 </a:t>
             </a:r>
@@ -7829,6 +8108,8 @@
                   <a:lumMod val="50000"/>
                 </a:schemeClr>
               </a:solidFill>
+              <a:latin typeface="더잠실 OTF 5 Bold" panose="00000800000000000000" pitchFamily="50" charset="-127"/>
+              <a:ea typeface="더잠실 OTF 5 Bold" panose="00000800000000000000" pitchFamily="50" charset="-127"/>
             </a:endParaRPr>
           </a:p>
           <a:p>
@@ -7840,6 +8121,8 @@
                     <a:lumMod val="50000"/>
                   </a:schemeClr>
                 </a:solidFill>
+                <a:latin typeface="더잠실 OTF 5 Bold" panose="00000800000000000000" pitchFamily="50" charset="-127"/>
+                <a:ea typeface="더잠실 OTF 5 Bold" panose="00000800000000000000" pitchFamily="50" charset="-127"/>
               </a:rPr>
               <a:t>최효정</a:t>
             </a:r>
@@ -7848,10 +8131,10 @@
       </p:sp>
       <p:sp>
         <p:nvSpPr>
-          <p:cNvPr id="24" name="TextBox 23">
-            <a:extLst>
-              <a:ext uri="{FF2B5EF4-FFF2-40B4-BE49-F238E27FC236}">
-                <a16:creationId xmlns:a16="http://schemas.microsoft.com/office/drawing/2014/main" id="{F7691C44-9359-01AC-DBCE-C55EC4D1A809}"/>
+          <p:cNvPr id="18" name="TextBox 17">
+            <a:extLst>
+              <a:ext uri="{FF2B5EF4-FFF2-40B4-BE49-F238E27FC236}">
+                <a16:creationId xmlns:a16="http://schemas.microsoft.com/office/drawing/2014/main" id="{3B3E3CBC-1C60-68E2-2EB2-54C7B360C3D2}"/>
               </a:ext>
             </a:extLst>
           </p:cNvPr>
@@ -7860,8 +8143,8 @@
         </p:nvSpPr>
         <p:spPr>
           <a:xfrm>
-            <a:off x="8872409" y="3441691"/>
-            <a:ext cx="2349624" cy="646331"/>
+            <a:off x="514905" y="949614"/>
+            <a:ext cx="2865604" cy="400110"/>
           </a:xfrm>
           <a:prstGeom prst="rect">
             <a:avLst/>
@@ -7874,7 +8157,52 @@
           </a:bodyPr>
           <a:lstStyle/>
           <a:p>
-            <a:pPr marL="342900" indent="-342900" algn="ctr">
+            <a:r>
+              <a:rPr lang="en-US" altLang="ko-KR" sz="2000" dirty="0">
+                <a:latin typeface="더잠실 OTF 5 Bold" panose="00000800000000000000" pitchFamily="50" charset="-127"/>
+                <a:ea typeface="더잠실 OTF 5 Bold" panose="00000800000000000000" pitchFamily="50" charset="-127"/>
+              </a:rPr>
+              <a:t>1-2. </a:t>
+            </a:r>
+            <a:r>
+              <a:rPr lang="ko-KR" altLang="en-US" sz="2000" dirty="0">
+                <a:latin typeface="더잠실 OTF 5 Bold" panose="00000800000000000000" pitchFamily="50" charset="-127"/>
+                <a:ea typeface="더잠실 OTF 5 Bold" panose="00000800000000000000" pitchFamily="50" charset="-127"/>
+              </a:rPr>
+              <a:t>팀 구성원 및 역할 </a:t>
+            </a:r>
+          </a:p>
+        </p:txBody>
+      </p:sp>
+      <p:sp>
+        <p:nvSpPr>
+          <p:cNvPr id="10" name="TextBox 9">
+            <a:extLst>
+              <a:ext uri="{FF2B5EF4-FFF2-40B4-BE49-F238E27FC236}">
+                <a16:creationId xmlns:a16="http://schemas.microsoft.com/office/drawing/2014/main" id="{D385E09C-B5D1-8EF7-B3DE-D14E3697C7F9}"/>
+              </a:ext>
+            </a:extLst>
+          </p:cNvPr>
+          <p:cNvSpPr txBox="1"/>
+          <p:nvPr/>
+        </p:nvSpPr>
+        <p:spPr>
+          <a:xfrm>
+            <a:off x="8850455" y="3618286"/>
+            <a:ext cx="2646228" cy="847796"/>
+          </a:xfrm>
+          <a:prstGeom prst="rect">
+            <a:avLst/>
+          </a:prstGeom>
+          <a:noFill/>
+        </p:spPr>
+        <p:txBody>
+          <a:bodyPr wrap="square" rtlCol="0">
+            <a:spAutoFit/>
+          </a:bodyPr>
+          <a:lstStyle/>
+          <a:p>
+            <a:pPr marL="342900" indent="-342900">
               <a:buFont typeface="Arial" panose="020B0604020202020204" pitchFamily="34" charset="0"/>
               <a:buChar char="•"/>
             </a:pPr>
@@ -7885,8 +8213,58 @@
                     <a:lumMod val="50000"/>
                   </a:schemeClr>
                 </a:solidFill>
-              </a:rPr>
-              <a:t>프로그램 설계 및</a:t>
+                <a:latin typeface="더잠실 OTF 5 Bold" panose="00000800000000000000" pitchFamily="50" charset="-127"/>
+                <a:ea typeface="더잠실 OTF 5 Bold" panose="00000800000000000000" pitchFamily="50" charset="-127"/>
+              </a:rPr>
+              <a:t>프로그램 설계 </a:t>
+            </a:r>
+            <a:r>
+              <a:rPr lang="en-US" altLang="ko-KR" dirty="0">
+                <a:solidFill>
+                  <a:schemeClr val="accent1">
+                    <a:lumMod val="50000"/>
+                  </a:schemeClr>
+                </a:solidFill>
+                <a:latin typeface="더잠실 OTF 5 Bold" panose="00000800000000000000" pitchFamily="50" charset="-127"/>
+                <a:ea typeface="더잠실 OTF 5 Bold" panose="00000800000000000000" pitchFamily="50" charset="-127"/>
+              </a:rPr>
+              <a:t> </a:t>
+            </a:r>
+            <a:r>
+              <a:rPr lang="ko-KR" altLang="en-US" dirty="0">
+                <a:solidFill>
+                  <a:schemeClr val="accent1">
+                    <a:lumMod val="50000"/>
+                  </a:schemeClr>
+                </a:solidFill>
+                <a:latin typeface="더잠실 OTF 5 Bold" panose="00000800000000000000" pitchFamily="50" charset="-127"/>
+                <a:ea typeface="더잠실 OTF 5 Bold" panose="00000800000000000000" pitchFamily="50" charset="-127"/>
+              </a:rPr>
+              <a:t>및</a:t>
+            </a:r>
+            <a:r>
+              <a:rPr lang="en-US" altLang="ko-KR" dirty="0">
+                <a:solidFill>
+                  <a:schemeClr val="accent1">
+                    <a:lumMod val="50000"/>
+                  </a:schemeClr>
+                </a:solidFill>
+                <a:latin typeface="더잠실 OTF 5 Bold" panose="00000800000000000000" pitchFamily="50" charset="-127"/>
+                <a:ea typeface="더잠실 OTF 5 Bold" panose="00000800000000000000" pitchFamily="50" charset="-127"/>
+              </a:rPr>
+              <a:t> </a:t>
+            </a:r>
+            <a:r>
+              <a:rPr lang="ko-KR" altLang="en-US" dirty="0">
+                <a:solidFill>
+                  <a:schemeClr val="accent1">
+                    <a:lumMod val="50000"/>
+                  </a:schemeClr>
+                </a:solidFill>
+                <a:latin typeface="더잠실 OTF 5 Bold" panose="00000800000000000000" pitchFamily="50" charset="-127"/>
+                <a:ea typeface="더잠실 OTF 5 Bold" panose="00000800000000000000" pitchFamily="50" charset="-127"/>
+              </a:rPr>
+              <a:t>구현</a:t>
             </a:r>
             <a:endParaRPr lang="en-US" altLang="ko-KR" dirty="0">
               <a:solidFill>
@@ -7894,10 +8272,18 @@
                   <a:lumMod val="50000"/>
                 </a:schemeClr>
               </a:solidFill>
+              <a:latin typeface="더잠실 OTF 5 Bold" panose="00000800000000000000" pitchFamily="50" charset="-127"/>
+              <a:ea typeface="더잠실 OTF 5 Bold" panose="00000800000000000000" pitchFamily="50" charset="-127"/>
             </a:endParaRPr>
           </a:p>
           <a:p>
-            <a:pPr algn="ctr"/>
+            <a:pPr marL="342900" indent="-342900">
+              <a:lnSpc>
+                <a:spcPct val="200000"/>
+              </a:lnSpc>
+              <a:buFont typeface="Arial" panose="020B0604020202020204" pitchFamily="34" charset="0"/>
+              <a:buChar char="•"/>
+            </a:pPr>
             <a:r>
               <a:rPr lang="ko-KR" altLang="en-US" dirty="0">
                 <a:solidFill>
@@ -7905,103 +8291,20 @@
                     <a:lumMod val="50000"/>
                   </a:schemeClr>
                 </a:solidFill>
-              </a:rPr>
-              <a:t>구현</a:t>
-            </a:r>
-          </a:p>
-        </p:txBody>
-      </p:sp>
-      <p:sp>
-        <p:nvSpPr>
-          <p:cNvPr id="25" name="TextBox 24">
-            <a:extLst>
-              <a:ext uri="{FF2B5EF4-FFF2-40B4-BE49-F238E27FC236}">
-                <a16:creationId xmlns:a16="http://schemas.microsoft.com/office/drawing/2014/main" id="{425B0724-D60B-72E8-0AF6-D2C5A6124687}"/>
-              </a:ext>
-            </a:extLst>
-          </p:cNvPr>
-          <p:cNvSpPr txBox="1"/>
-          <p:nvPr/>
-        </p:nvSpPr>
-        <p:spPr>
-          <a:xfrm>
-            <a:off x="8923248" y="4240965"/>
-            <a:ext cx="2469839" cy="369332"/>
-          </a:xfrm>
-          <a:prstGeom prst="rect">
-            <a:avLst/>
-          </a:prstGeom>
-          <a:noFill/>
-        </p:spPr>
-        <p:txBody>
-          <a:bodyPr wrap="square" rtlCol="0">
-            <a:spAutoFit/>
-          </a:bodyPr>
-          <a:lstStyle/>
-          <a:p>
-            <a:pPr marL="285750" indent="-285750">
-              <a:buFont typeface="Arial" panose="020B0604020202020204" pitchFamily="34" charset="0"/>
-              <a:buChar char="•"/>
-            </a:pPr>
-            <a:r>
-              <a:rPr lang="ko-KR" altLang="en-US" dirty="0" smtClean="0">
-                <a:solidFill>
-                  <a:schemeClr val="accent1">
-                    <a:lumMod val="50000"/>
-                  </a:schemeClr>
-                </a:solidFill>
-              </a:rPr>
-              <a:t>프로그램 </a:t>
-            </a:r>
-            <a:r>
-              <a:rPr lang="ko-KR" altLang="en-US" dirty="0">
-                <a:solidFill>
-                  <a:schemeClr val="accent1">
-                    <a:lumMod val="50000"/>
-                  </a:schemeClr>
-                </a:solidFill>
-              </a:rPr>
-              <a:t>오류 수정 </a:t>
-            </a:r>
-          </a:p>
-        </p:txBody>
-      </p:sp>
-      <p:sp>
-        <p:nvSpPr>
-          <p:cNvPr id="18" name="TextBox 17">
-            <a:extLst>
-              <a:ext uri="{FF2B5EF4-FFF2-40B4-BE49-F238E27FC236}">
-                <a16:creationId xmlns:a16="http://schemas.microsoft.com/office/drawing/2014/main" id="{3B3E3CBC-1C60-68E2-2EB2-54C7B360C3D2}"/>
-              </a:ext>
-            </a:extLst>
-          </p:cNvPr>
-          <p:cNvSpPr txBox="1"/>
-          <p:nvPr/>
-        </p:nvSpPr>
-        <p:spPr>
-          <a:xfrm>
-            <a:off x="514905" y="949614"/>
-            <a:ext cx="2865604" cy="400110"/>
-          </a:xfrm>
-          <a:prstGeom prst="rect">
-            <a:avLst/>
-          </a:prstGeom>
-          <a:noFill/>
-        </p:spPr>
-        <p:txBody>
-          <a:bodyPr wrap="square" rtlCol="0">
-            <a:spAutoFit/>
-          </a:bodyPr>
-          <a:lstStyle/>
-          <a:p>
-            <a:r>
-              <a:rPr lang="en-US" altLang="ko-KR" sz="2000" dirty="0"/>
-              <a:t>1-2. </a:t>
-            </a:r>
-            <a:r>
-              <a:rPr lang="ko-KR" altLang="en-US" sz="2000" dirty="0"/>
-              <a:t>팀 구성원 및 역할 </a:t>
-            </a:r>
+                <a:latin typeface="더잠실 OTF 5 Bold" panose="00000800000000000000" pitchFamily="50" charset="-127"/>
+                <a:ea typeface="더잠실 OTF 5 Bold" panose="00000800000000000000" pitchFamily="50" charset="-127"/>
+              </a:rPr>
+              <a:t>프로그램 오류 수정</a:t>
+            </a:r>
+            <a:endParaRPr lang="en-US" altLang="ko-KR" dirty="0">
+              <a:solidFill>
+                <a:schemeClr val="accent1">
+                  <a:lumMod val="50000"/>
+                </a:schemeClr>
+              </a:solidFill>
+              <a:latin typeface="더잠실 OTF 5 Bold" panose="00000800000000000000" pitchFamily="50" charset="-127"/>
+              <a:ea typeface="더잠실 OTF 5 Bold" panose="00000800000000000000" pitchFamily="50" charset="-127"/>
+            </a:endParaRPr>
           </a:p>
         </p:txBody>
       </p:sp>
@@ -8096,8 +8399,8 @@
                   <a:solidFill>
                     <a:schemeClr val="bg1"/>
                   </a:solidFill>
-                  <a:latin typeface="+mj-ea"/>
-                  <a:ea typeface="+mj-ea"/>
+                  <a:latin typeface="더잠실 OTF 5 Bold" panose="00000800000000000000" pitchFamily="50" charset="-127"/>
+                  <a:ea typeface="더잠실 OTF 5 Bold" panose="00000800000000000000" pitchFamily="50" charset="-127"/>
                 </a:rPr>
                 <a:t>2</a:t>
               </a:r>
@@ -8105,8 +8408,8 @@
                 <a:solidFill>
                   <a:schemeClr val="bg1"/>
                 </a:solidFill>
-                <a:latin typeface="+mj-ea"/>
-                <a:ea typeface="+mj-ea"/>
+                <a:latin typeface="더잠실 OTF 5 Bold" panose="00000800000000000000" pitchFamily="50" charset="-127"/>
+                <a:ea typeface="더잠실 OTF 5 Bold" panose="00000800000000000000" pitchFamily="50" charset="-127"/>
               </a:endParaRPr>
             </a:p>
           </p:txBody>
@@ -8126,7 +8429,7 @@
           <p:spPr>
             <a:xfrm>
               <a:off x="6817895" y="3350782"/>
-              <a:ext cx="3355406" cy="830997"/>
+              <a:ext cx="3512500" cy="830997"/>
             </a:xfrm>
             <a:prstGeom prst="rect">
               <a:avLst/>
@@ -8144,7 +8447,8 @@
                   <a:solidFill>
                     <a:schemeClr val="bg1"/>
                   </a:solidFill>
-                  <a:latin typeface="+mn-ea"/>
+                  <a:latin typeface="더잠실 OTF 5 Bold" panose="00000800000000000000" pitchFamily="50" charset="-127"/>
+                  <a:ea typeface="더잠실 OTF 5 Bold" panose="00000800000000000000" pitchFamily="50" charset="-127"/>
                 </a:rPr>
                 <a:t>프로젝트 절차 </a:t>
               </a:r>
@@ -8342,6 +8646,8 @@
                 <a:solidFill>
                   <a:schemeClr val="accent1"/>
                 </a:solidFill>
+                <a:latin typeface="더잠실 OTF 5 Bold" panose="00000800000000000000" pitchFamily="50" charset="-127"/>
+                <a:ea typeface="더잠실 OTF 5 Bold" panose="00000800000000000000" pitchFamily="50" charset="-127"/>
               </a:rPr>
               <a:t> </a:t>
             </a:r>
@@ -8418,12 +8724,18 @@
           <a:lstStyle/>
           <a:p>
             <a:r>
-              <a:rPr lang="ko-KR" altLang="en-US" dirty="0"/>
+              <a:rPr lang="ko-KR" altLang="en-US" dirty="0">
+                <a:latin typeface="더잠실 OTF 5 Bold" panose="00000800000000000000" pitchFamily="50" charset="-127"/>
+                <a:ea typeface="더잠실 OTF 5 Bold" panose="00000800000000000000" pitchFamily="50" charset="-127"/>
+              </a:rPr>
               <a:t> </a:t>
             </a:r>
           </a:p>
           <a:p>
-            <a:endParaRPr lang="ko-KR" altLang="en-US" dirty="0"/>
+            <a:endParaRPr lang="ko-KR" altLang="en-US" dirty="0">
+              <a:latin typeface="더잠실 OTF 5 Bold" panose="00000800000000000000" pitchFamily="50" charset="-127"/>
+              <a:ea typeface="더잠실 OTF 5 Bold" panose="00000800000000000000" pitchFamily="50" charset="-127"/>
+            </a:endParaRPr>
           </a:p>
         </p:txBody>
       </p:sp>
@@ -8462,8 +8774,8 @@
                     <a:lumMod val="50000"/>
                   </a:schemeClr>
                 </a:solidFill>
-                <a:latin typeface="+mj-ea"/>
-                <a:ea typeface="+mj-ea"/>
+                <a:latin typeface="더잠실 OTF 5 Bold" panose="00000800000000000000" pitchFamily="50" charset="-127"/>
+                <a:ea typeface="더잠실 OTF 5 Bold" panose="00000800000000000000" pitchFamily="50" charset="-127"/>
               </a:rPr>
               <a:t>2. </a:t>
             </a:r>
@@ -8474,8 +8786,8 @@
                     <a:lumMod val="50000"/>
                   </a:schemeClr>
                 </a:solidFill>
-                <a:latin typeface="+mj-ea"/>
-                <a:ea typeface="+mj-ea"/>
+                <a:latin typeface="더잠실 OTF 5 Bold" panose="00000800000000000000" pitchFamily="50" charset="-127"/>
+                <a:ea typeface="더잠실 OTF 5 Bold" panose="00000800000000000000" pitchFamily="50" charset="-127"/>
               </a:rPr>
               <a:t>프로젝트</a:t>
             </a:r>
@@ -8486,8 +8798,8 @@
                     <a:lumMod val="50000"/>
                   </a:schemeClr>
                 </a:solidFill>
-                <a:latin typeface="+mj-ea"/>
-                <a:ea typeface="+mj-ea"/>
+                <a:latin typeface="더잠실 OTF 5 Bold" panose="00000800000000000000" pitchFamily="50" charset="-127"/>
+                <a:ea typeface="더잠실 OTF 5 Bold" panose="00000800000000000000" pitchFamily="50" charset="-127"/>
               </a:rPr>
               <a:t> </a:t>
             </a:r>
@@ -8498,12 +8810,15 @@
                     <a:lumMod val="50000"/>
                   </a:schemeClr>
                 </a:solidFill>
-                <a:latin typeface="+mj-ea"/>
-                <a:ea typeface="+mj-ea"/>
+                <a:latin typeface="더잠실 OTF 5 Bold" panose="00000800000000000000" pitchFamily="50" charset="-127"/>
+                <a:ea typeface="더잠실 OTF 5 Bold" panose="00000800000000000000" pitchFamily="50" charset="-127"/>
               </a:rPr>
               <a:t>절차 </a:t>
             </a:r>
-            <a:endParaRPr lang="ko-KR" altLang="en-US" sz="4800" dirty="0"/>
+            <a:endParaRPr lang="ko-KR" altLang="en-US" sz="4800" dirty="0">
+              <a:latin typeface="더잠실 OTF 5 Bold" panose="00000800000000000000" pitchFamily="50" charset="-127"/>
+              <a:ea typeface="더잠실 OTF 5 Bold" panose="00000800000000000000" pitchFamily="50" charset="-127"/>
+            </a:endParaRPr>
           </a:p>
         </p:txBody>
       </p:sp>
@@ -8536,11 +8851,17 @@
           <a:lstStyle/>
           <a:p>
             <a:r>
-              <a:rPr lang="en-US" altLang="ko-KR" sz="2000" dirty="0"/>
+              <a:rPr lang="en-US" altLang="ko-KR" sz="2000" dirty="0">
+                <a:latin typeface="더잠실 OTF 5 Bold" panose="00000800000000000000" pitchFamily="50" charset="-127"/>
+                <a:ea typeface="더잠실 OTF 5 Bold" panose="00000800000000000000" pitchFamily="50" charset="-127"/>
+              </a:rPr>
               <a:t>2-1. </a:t>
             </a:r>
             <a:r>
-              <a:rPr lang="ko-KR" altLang="en-US" sz="2000" dirty="0"/>
+              <a:rPr lang="ko-KR" altLang="en-US" sz="2000" dirty="0">
+                <a:latin typeface="더잠실 OTF 5 Bold" panose="00000800000000000000" pitchFamily="50" charset="-127"/>
+                <a:ea typeface="더잠실 OTF 5 Bold" panose="00000800000000000000" pitchFamily="50" charset="-127"/>
+              </a:rPr>
               <a:t>작업 일정 </a:t>
             </a:r>
           </a:p>
@@ -8597,7 +8918,10 @@
           <a:lstStyle/>
           <a:p>
             <a:pPr algn="ctr"/>
-            <a:endParaRPr lang="ko-KR" altLang="en-US"/>
+            <a:endParaRPr lang="ko-KR" altLang="en-US">
+              <a:latin typeface="더잠실 OTF 5 Bold" panose="00000800000000000000" pitchFamily="50" charset="-127"/>
+              <a:ea typeface="더잠실 OTF 5 Bold" panose="00000800000000000000" pitchFamily="50" charset="-127"/>
+            </a:endParaRPr>
           </a:p>
         </p:txBody>
       </p:sp>
@@ -8652,7 +8976,10 @@
           <a:lstStyle/>
           <a:p>
             <a:pPr algn="ctr"/>
-            <a:endParaRPr lang="ko-KR" altLang="en-US"/>
+            <a:endParaRPr lang="ko-KR" altLang="en-US">
+              <a:latin typeface="더잠실 OTF 5 Bold" panose="00000800000000000000" pitchFamily="50" charset="-127"/>
+              <a:ea typeface="더잠실 OTF 5 Bold" panose="00000800000000000000" pitchFamily="50" charset="-127"/>
+            </a:endParaRPr>
           </a:p>
         </p:txBody>
       </p:sp>
@@ -8707,7 +9034,10 @@
           <a:lstStyle/>
           <a:p>
             <a:pPr algn="ctr"/>
-            <a:endParaRPr lang="ko-KR" altLang="en-US"/>
+            <a:endParaRPr lang="ko-KR" altLang="en-US">
+              <a:latin typeface="더잠실 OTF 5 Bold" panose="00000800000000000000" pitchFamily="50" charset="-127"/>
+              <a:ea typeface="더잠실 OTF 5 Bold" panose="00000800000000000000" pitchFamily="50" charset="-127"/>
+            </a:endParaRPr>
           </a:p>
         </p:txBody>
       </p:sp>
@@ -8762,7 +9092,10 @@
           <a:lstStyle/>
           <a:p>
             <a:pPr algn="ctr"/>
-            <a:endParaRPr lang="ko-KR" altLang="en-US" dirty="0"/>
+            <a:endParaRPr lang="ko-KR" altLang="en-US" dirty="0">
+              <a:latin typeface="더잠실 OTF 5 Bold" panose="00000800000000000000" pitchFamily="50" charset="-127"/>
+              <a:ea typeface="더잠실 OTF 5 Bold" panose="00000800000000000000" pitchFamily="50" charset="-127"/>
+            </a:endParaRPr>
           </a:p>
         </p:txBody>
       </p:sp>
@@ -8817,7 +9150,10 @@
           <a:lstStyle/>
           <a:p>
             <a:pPr algn="ctr"/>
-            <a:endParaRPr lang="ko-KR" altLang="en-US" dirty="0"/>
+            <a:endParaRPr lang="ko-KR" altLang="en-US" dirty="0">
+              <a:latin typeface="더잠실 OTF 5 Bold" panose="00000800000000000000" pitchFamily="50" charset="-127"/>
+              <a:ea typeface="더잠실 OTF 5 Bold" panose="00000800000000000000" pitchFamily="50" charset="-127"/>
+            </a:endParaRPr>
           </a:p>
         </p:txBody>
       </p:sp>
@@ -8872,7 +9208,10 @@
           <a:lstStyle/>
           <a:p>
             <a:pPr algn="ctr"/>
-            <a:endParaRPr lang="ko-KR" altLang="en-US"/>
+            <a:endParaRPr lang="ko-KR" altLang="en-US">
+              <a:latin typeface="더잠실 OTF 5 Bold" panose="00000800000000000000" pitchFamily="50" charset="-127"/>
+              <a:ea typeface="더잠실 OTF 5 Bold" panose="00000800000000000000" pitchFamily="50" charset="-127"/>
+            </a:endParaRPr>
           </a:p>
         </p:txBody>
       </p:sp>
@@ -8939,8 +9278,8 @@
         </p:nvSpPr>
         <p:spPr>
           <a:xfrm>
-            <a:off x="8271271" y="2831619"/>
-            <a:ext cx="801823" cy="369332"/>
+            <a:off x="8256844" y="2831619"/>
+            <a:ext cx="830677" cy="369332"/>
           </a:xfrm>
           <a:prstGeom prst="rect">
             <a:avLst/>
@@ -8961,6 +9300,8 @@
                     <a:lumMod val="50000"/>
                   </a:schemeClr>
                 </a:solidFill>
+                <a:latin typeface="더잠실 OTF 5 Bold" panose="00000800000000000000" pitchFamily="50" charset="-127"/>
+                <a:ea typeface="더잠실 OTF 5 Bold" panose="00000800000000000000" pitchFamily="50" charset="-127"/>
               </a:rPr>
               <a:t>09.21</a:t>
             </a:r>
@@ -8970,6 +9311,8 @@
                   <a:lumMod val="50000"/>
                 </a:schemeClr>
               </a:solidFill>
+              <a:latin typeface="더잠실 OTF 5 Bold" panose="00000800000000000000" pitchFamily="50" charset="-127"/>
+              <a:ea typeface="더잠실 OTF 5 Bold" panose="00000800000000000000" pitchFamily="50" charset="-127"/>
             </a:endParaRPr>
           </a:p>
         </p:txBody>
@@ -8988,8 +9331,8 @@
         </p:nvSpPr>
         <p:spPr>
           <a:xfrm>
-            <a:off x="6361943" y="2842497"/>
-            <a:ext cx="809837" cy="369332"/>
+            <a:off x="6351523" y="2842497"/>
+            <a:ext cx="830677" cy="369332"/>
           </a:xfrm>
           <a:prstGeom prst="rect">
             <a:avLst/>
@@ -9010,6 +9353,8 @@
                     <a:lumMod val="50000"/>
                   </a:schemeClr>
                 </a:solidFill>
+                <a:latin typeface="더잠실 OTF 5 Bold" panose="00000800000000000000" pitchFamily="50" charset="-127"/>
+                <a:ea typeface="더잠실 OTF 5 Bold" panose="00000800000000000000" pitchFamily="50" charset="-127"/>
               </a:rPr>
               <a:t>09.18</a:t>
             </a:r>
@@ -9019,6 +9364,8 @@
                   <a:lumMod val="50000"/>
                 </a:schemeClr>
               </a:solidFill>
+              <a:latin typeface="더잠실 OTF 5 Bold" panose="00000800000000000000" pitchFamily="50" charset="-127"/>
+              <a:ea typeface="더잠실 OTF 5 Bold" panose="00000800000000000000" pitchFamily="50" charset="-127"/>
             </a:endParaRPr>
           </a:p>
         </p:txBody>
@@ -9037,8 +9384,8 @@
         </p:nvSpPr>
         <p:spPr>
           <a:xfrm>
-            <a:off x="4207178" y="2831619"/>
-            <a:ext cx="813044" cy="369332"/>
+            <a:off x="4198362" y="2831619"/>
+            <a:ext cx="830677" cy="369332"/>
           </a:xfrm>
           <a:prstGeom prst="rect">
             <a:avLst/>
@@ -9059,6 +9406,8 @@
                     <a:lumMod val="50000"/>
                   </a:schemeClr>
                 </a:solidFill>
+                <a:latin typeface="더잠실 OTF 5 Bold" panose="00000800000000000000" pitchFamily="50" charset="-127"/>
+                <a:ea typeface="더잠실 OTF 5 Bold" panose="00000800000000000000" pitchFamily="50" charset="-127"/>
               </a:rPr>
               <a:t>09.14</a:t>
             </a:r>
@@ -9068,6 +9417,8 @@
                   <a:lumMod val="50000"/>
                 </a:schemeClr>
               </a:solidFill>
+              <a:latin typeface="더잠실 OTF 5 Bold" panose="00000800000000000000" pitchFamily="50" charset="-127"/>
+              <a:ea typeface="더잠실 OTF 5 Bold" panose="00000800000000000000" pitchFamily="50" charset="-127"/>
             </a:endParaRPr>
           </a:p>
         </p:txBody>
@@ -9086,8 +9437,8 @@
         </p:nvSpPr>
         <p:spPr>
           <a:xfrm>
-            <a:off x="2374604" y="2832439"/>
-            <a:ext cx="808235" cy="369332"/>
+            <a:off x="2363383" y="2832439"/>
+            <a:ext cx="830677" cy="369332"/>
           </a:xfrm>
           <a:prstGeom prst="rect">
             <a:avLst/>
@@ -9108,6 +9459,8 @@
                     <a:lumMod val="50000"/>
                   </a:schemeClr>
                 </a:solidFill>
+                <a:latin typeface="더잠실 OTF 5 Bold" panose="00000800000000000000" pitchFamily="50" charset="-127"/>
+                <a:ea typeface="더잠실 OTF 5 Bold" panose="00000800000000000000" pitchFamily="50" charset="-127"/>
               </a:rPr>
               <a:t>09.13</a:t>
             </a:r>
@@ -9117,6 +9470,8 @@
                   <a:lumMod val="50000"/>
                 </a:schemeClr>
               </a:solidFill>
+              <a:latin typeface="더잠실 OTF 5 Bold" panose="00000800000000000000" pitchFamily="50" charset="-127"/>
+              <a:ea typeface="더잠실 OTF 5 Bold" panose="00000800000000000000" pitchFamily="50" charset="-127"/>
             </a:endParaRPr>
           </a:p>
         </p:txBody>
@@ -9135,8 +9490,8 @@
         </p:nvSpPr>
         <p:spPr>
           <a:xfrm>
-            <a:off x="704131" y="2831619"/>
-            <a:ext cx="801823" cy="369332"/>
+            <a:off x="689704" y="2831619"/>
+            <a:ext cx="830677" cy="369332"/>
           </a:xfrm>
           <a:prstGeom prst="rect">
             <a:avLst/>
@@ -9157,6 +9512,8 @@
                     <a:lumMod val="50000"/>
                   </a:schemeClr>
                 </a:solidFill>
+                <a:latin typeface="더잠실 OTF 5 Bold" panose="00000800000000000000" pitchFamily="50" charset="-127"/>
+                <a:ea typeface="더잠실 OTF 5 Bold" panose="00000800000000000000" pitchFamily="50" charset="-127"/>
               </a:rPr>
               <a:t>09.12</a:t>
             </a:r>
@@ -9166,6 +9523,8 @@
                   <a:lumMod val="50000"/>
                 </a:schemeClr>
               </a:solidFill>
+              <a:latin typeface="더잠실 OTF 5 Bold" panose="00000800000000000000" pitchFamily="50" charset="-127"/>
+              <a:ea typeface="더잠실 OTF 5 Bold" panose="00000800000000000000" pitchFamily="50" charset="-127"/>
             </a:endParaRPr>
           </a:p>
         </p:txBody>
@@ -9191,7 +9550,7 @@
             <a:avLst/>
           </a:prstGeom>
           <a:solidFill>
-            <a:srgbClr val="F3F9FB"/>
+            <a:srgbClr val="C6E2EC"/>
           </a:solidFill>
           <a:ln>
             <a:noFill/>
@@ -9223,6 +9582,8 @@
                 <a:solidFill>
                   <a:schemeClr val="tx1"/>
                 </a:solidFill>
+                <a:latin typeface="더잠실 OTF 5 Bold" panose="00000800000000000000" pitchFamily="50" charset="-127"/>
+                <a:ea typeface="더잠실 OTF 5 Bold" panose="00000800000000000000" pitchFamily="50" charset="-127"/>
               </a:rPr>
               <a:t>주제 선정</a:t>
             </a:r>
@@ -9453,7 +9814,7 @@
             <a:avLst/>
           </a:prstGeom>
           <a:solidFill>
-            <a:srgbClr val="F3F9FB"/>
+            <a:srgbClr val="C6E2EC"/>
           </a:solidFill>
           <a:ln>
             <a:noFill/>
@@ -9485,6 +9846,8 @@
                 <a:solidFill>
                   <a:schemeClr val="tx1"/>
                 </a:solidFill>
+                <a:latin typeface="더잠실 OTF 5 Bold" panose="00000800000000000000" pitchFamily="50" charset="-127"/>
+                <a:ea typeface="더잠실 OTF 5 Bold" panose="00000800000000000000" pitchFamily="50" charset="-127"/>
               </a:rPr>
               <a:t>자료수집</a:t>
             </a:r>
@@ -9492,6 +9855,8 @@
               <a:solidFill>
                 <a:schemeClr val="tx1"/>
               </a:solidFill>
+              <a:latin typeface="더잠실 OTF 5 Bold" panose="00000800000000000000" pitchFamily="50" charset="-127"/>
+              <a:ea typeface="더잠실 OTF 5 Bold" panose="00000800000000000000" pitchFamily="50" charset="-127"/>
             </a:endParaRPr>
           </a:p>
         </p:txBody>
@@ -9517,7 +9882,7 @@
             <a:avLst/>
           </a:prstGeom>
           <a:solidFill>
-            <a:srgbClr val="F3F9FB"/>
+            <a:srgbClr val="C6E2EC"/>
           </a:solidFill>
           <a:ln>
             <a:noFill/>
@@ -9549,6 +9914,8 @@
                 <a:solidFill>
                   <a:schemeClr val="tx1"/>
                 </a:solidFill>
+                <a:latin typeface="더잠실 OTF 5 Bold" panose="00000800000000000000" pitchFamily="50" charset="-127"/>
+                <a:ea typeface="더잠실 OTF 5 Bold" panose="00000800000000000000" pitchFamily="50" charset="-127"/>
               </a:rPr>
               <a:t>프로그램 구현 </a:t>
             </a:r>
@@ -9556,6 +9923,8 @@
               <a:solidFill>
                 <a:schemeClr val="tx1"/>
               </a:solidFill>
+              <a:latin typeface="더잠실 OTF 5 Bold" panose="00000800000000000000" pitchFamily="50" charset="-127"/>
+              <a:ea typeface="더잠실 OTF 5 Bold" panose="00000800000000000000" pitchFamily="50" charset="-127"/>
             </a:endParaRPr>
           </a:p>
         </p:txBody>
@@ -9581,7 +9950,7 @@
             <a:avLst/>
           </a:prstGeom>
           <a:solidFill>
-            <a:srgbClr val="F3F9FB"/>
+            <a:srgbClr val="C6E2EC"/>
           </a:solidFill>
           <a:ln>
             <a:noFill/>
@@ -9613,6 +9982,8 @@
                 <a:solidFill>
                   <a:schemeClr val="tx1"/>
                 </a:solidFill>
+                <a:latin typeface="더잠실 OTF 5 Bold" panose="00000800000000000000" pitchFamily="50" charset="-127"/>
+                <a:ea typeface="더잠실 OTF 5 Bold" panose="00000800000000000000" pitchFamily="50" charset="-127"/>
               </a:rPr>
               <a:t>오류 수정</a:t>
             </a:r>
@@ -9620,6 +9991,8 @@
               <a:solidFill>
                 <a:schemeClr val="tx1"/>
               </a:solidFill>
+              <a:latin typeface="더잠실 OTF 5 Bold" panose="00000800000000000000" pitchFamily="50" charset="-127"/>
+              <a:ea typeface="더잠실 OTF 5 Bold" panose="00000800000000000000" pitchFamily="50" charset="-127"/>
             </a:endParaRPr>
           </a:p>
         </p:txBody>
@@ -9645,7 +10018,7 @@
             <a:avLst/>
           </a:prstGeom>
           <a:solidFill>
-            <a:srgbClr val="F3F9FB"/>
+            <a:srgbClr val="C6E2EC"/>
           </a:solidFill>
           <a:ln>
             <a:noFill/>
@@ -9677,6 +10050,8 @@
                 <a:solidFill>
                   <a:schemeClr val="tx1"/>
                 </a:solidFill>
+                <a:latin typeface="더잠실 OTF 5 Bold" panose="00000800000000000000" pitchFamily="50" charset="-127"/>
+                <a:ea typeface="더잠실 OTF 5 Bold" panose="00000800000000000000" pitchFamily="50" charset="-127"/>
               </a:rPr>
               <a:t>피피티 제작 </a:t>
             </a:r>
@@ -9684,6 +10059,8 @@
               <a:solidFill>
                 <a:schemeClr val="tx1"/>
               </a:solidFill>
+              <a:latin typeface="더잠실 OTF 5 Bold" panose="00000800000000000000" pitchFamily="50" charset="-127"/>
+              <a:ea typeface="더잠실 OTF 5 Bold" panose="00000800000000000000" pitchFamily="50" charset="-127"/>
             </a:endParaRPr>
           </a:p>
         </p:txBody>
@@ -9709,7 +10086,7 @@
             <a:avLst/>
           </a:prstGeom>
           <a:solidFill>
-            <a:srgbClr val="F3F9FB"/>
+            <a:srgbClr val="C6E2EC"/>
           </a:solidFill>
           <a:ln>
             <a:noFill/>
@@ -9741,6 +10118,8 @@
                 <a:solidFill>
                   <a:schemeClr val="tx1"/>
                 </a:solidFill>
+                <a:latin typeface="더잠실 OTF 5 Bold" panose="00000800000000000000" pitchFamily="50" charset="-127"/>
+                <a:ea typeface="더잠실 OTF 5 Bold" panose="00000800000000000000" pitchFamily="50" charset="-127"/>
               </a:rPr>
               <a:t>발표일</a:t>
             </a:r>
@@ -9748,6 +10127,8 @@
               <a:solidFill>
                 <a:schemeClr val="tx1"/>
               </a:solidFill>
+              <a:latin typeface="더잠실 OTF 5 Bold" panose="00000800000000000000" pitchFamily="50" charset="-127"/>
+              <a:ea typeface="더잠실 OTF 5 Bold" panose="00000800000000000000" pitchFamily="50" charset="-127"/>
             </a:endParaRPr>
           </a:p>
         </p:txBody>
@@ -9976,8 +10357,8 @@
                     <a:lumMod val="50000"/>
                   </a:schemeClr>
                 </a:solidFill>
-                <a:latin typeface="+mj-ea"/>
-                <a:ea typeface="+mj-ea"/>
+                <a:latin typeface="더잠실 OTF 5 Bold" panose="00000800000000000000" pitchFamily="50" charset="-127"/>
+                <a:ea typeface="더잠실 OTF 5 Bold" panose="00000800000000000000" pitchFamily="50" charset="-127"/>
               </a:rPr>
               <a:t>2. </a:t>
             </a:r>
@@ -9988,8 +10369,8 @@
                     <a:lumMod val="50000"/>
                   </a:schemeClr>
                 </a:solidFill>
-                <a:latin typeface="+mj-ea"/>
-                <a:ea typeface="+mj-ea"/>
+                <a:latin typeface="더잠실 OTF 5 Bold" panose="00000800000000000000" pitchFamily="50" charset="-127"/>
+                <a:ea typeface="더잠실 OTF 5 Bold" panose="00000800000000000000" pitchFamily="50" charset="-127"/>
               </a:rPr>
               <a:t>프로젝트</a:t>
             </a:r>
@@ -10000,8 +10381,8 @@
                     <a:lumMod val="50000"/>
                   </a:schemeClr>
                 </a:solidFill>
-                <a:latin typeface="+mj-ea"/>
-                <a:ea typeface="+mj-ea"/>
+                <a:latin typeface="더잠실 OTF 5 Bold" panose="00000800000000000000" pitchFamily="50" charset="-127"/>
+                <a:ea typeface="더잠실 OTF 5 Bold" panose="00000800000000000000" pitchFamily="50" charset="-127"/>
               </a:rPr>
               <a:t> </a:t>
             </a:r>
@@ -10012,12 +10393,15 @@
                     <a:lumMod val="50000"/>
                   </a:schemeClr>
                 </a:solidFill>
-                <a:latin typeface="+mj-ea"/>
-                <a:ea typeface="+mj-ea"/>
+                <a:latin typeface="더잠실 OTF 5 Bold" panose="00000800000000000000" pitchFamily="50" charset="-127"/>
+                <a:ea typeface="더잠실 OTF 5 Bold" panose="00000800000000000000" pitchFamily="50" charset="-127"/>
               </a:rPr>
               <a:t>절차 </a:t>
             </a:r>
-            <a:endParaRPr lang="ko-KR" altLang="en-US" sz="4800" dirty="0"/>
+            <a:endParaRPr lang="ko-KR" altLang="en-US" sz="4800" dirty="0">
+              <a:latin typeface="더잠실 OTF 5 Bold" panose="00000800000000000000" pitchFamily="50" charset="-127"/>
+              <a:ea typeface="더잠실 OTF 5 Bold" panose="00000800000000000000" pitchFamily="50" charset="-127"/>
+            </a:endParaRPr>
           </a:p>
         </p:txBody>
       </p:sp>
@@ -10050,11 +10434,17 @@
           <a:lstStyle/>
           <a:p>
             <a:r>
-              <a:rPr lang="en-US" altLang="ko-KR" sz="2000" dirty="0"/>
+              <a:rPr lang="en-US" altLang="ko-KR" sz="2000" dirty="0">
+                <a:latin typeface="더잠실 OTF 5 Bold" panose="00000800000000000000" pitchFamily="50" charset="-127"/>
+                <a:ea typeface="더잠실 OTF 5 Bold" panose="00000800000000000000" pitchFamily="50" charset="-127"/>
+              </a:rPr>
               <a:t>2-2. </a:t>
             </a:r>
             <a:r>
-              <a:rPr lang="ko-KR" altLang="en-US" sz="2000" dirty="0"/>
+              <a:rPr lang="ko-KR" altLang="en-US" sz="2000" dirty="0">
+                <a:latin typeface="더잠실 OTF 5 Bold" panose="00000800000000000000" pitchFamily="50" charset="-127"/>
+                <a:ea typeface="더잠실 OTF 5 Bold" panose="00000800000000000000" pitchFamily="50" charset="-127"/>
+              </a:rPr>
               <a:t>프로그램 설계도 </a:t>
             </a:r>
           </a:p>
@@ -10171,7 +10561,7 @@
           <p:spPr>
             <a:xfrm>
               <a:off x="6817895" y="310803"/>
-              <a:ext cx="1854995" cy="3154710"/>
+              <a:ext cx="1771639" cy="3154710"/>
             </a:xfrm>
             <a:prstGeom prst="rect">
               <a:avLst/>
@@ -10189,8 +10579,8 @@
                   <a:solidFill>
                     <a:schemeClr val="bg1"/>
                   </a:solidFill>
-                  <a:latin typeface="+mj-ea"/>
-                  <a:ea typeface="+mj-ea"/>
+                  <a:latin typeface="더잠실 OTF 5 Bold" panose="00000800000000000000" pitchFamily="50" charset="-127"/>
+                  <a:ea typeface="더잠실 OTF 5 Bold" panose="00000800000000000000" pitchFamily="50" charset="-127"/>
                 </a:rPr>
                 <a:t>3</a:t>
               </a:r>
@@ -10198,8 +10588,8 @@
                 <a:solidFill>
                   <a:schemeClr val="bg1"/>
                 </a:solidFill>
-                <a:latin typeface="+mj-ea"/>
-                <a:ea typeface="+mj-ea"/>
+                <a:latin typeface="더잠실 OTF 5 Bold" panose="00000800000000000000" pitchFamily="50" charset="-127"/>
+                <a:ea typeface="더잠실 OTF 5 Bold" panose="00000800000000000000" pitchFamily="50" charset="-127"/>
               </a:endParaRPr>
             </a:p>
           </p:txBody>
@@ -10219,7 +10609,7 @@
           <p:spPr>
             <a:xfrm>
               <a:off x="6817895" y="3350782"/>
-              <a:ext cx="3251211" cy="830997"/>
+              <a:ext cx="3421129" cy="830997"/>
             </a:xfrm>
             <a:prstGeom prst="rect">
               <a:avLst/>
@@ -10237,7 +10627,8 @@
                   <a:solidFill>
                     <a:schemeClr val="bg1"/>
                   </a:solidFill>
-                  <a:latin typeface="+mn-ea"/>
+                  <a:latin typeface="더잠실 OTF 5 Bold" panose="00000800000000000000" pitchFamily="50" charset="-127"/>
+                  <a:ea typeface="더잠실 OTF 5 Bold" panose="00000800000000000000" pitchFamily="50" charset="-127"/>
                 </a:rPr>
                 <a:t>프로젝트 결과</a:t>
               </a:r>
